--- a/Presentacion TFG.pptx
+++ b/Presentacion TFG.pptx
@@ -5,27 +5,26 @@
     <p:sldMasterId id="2147483708" r:id="rId1"/>
   </p:sldMasterIdLst>
   <p:sldIdLst>
-    <p:sldId id="256" r:id="rId2"/>
-    <p:sldId id="258" r:id="rId3"/>
-    <p:sldId id="264" r:id="rId4"/>
-    <p:sldId id="265" r:id="rId5"/>
-    <p:sldId id="273" r:id="rId6"/>
-    <p:sldId id="259" r:id="rId7"/>
-    <p:sldId id="257" r:id="rId8"/>
-    <p:sldId id="272" r:id="rId9"/>
-    <p:sldId id="274" r:id="rId10"/>
-    <p:sldId id="263" r:id="rId11"/>
-    <p:sldId id="266" r:id="rId12"/>
-    <p:sldId id="276" r:id="rId13"/>
-    <p:sldId id="275" r:id="rId14"/>
-    <p:sldId id="260" r:id="rId15"/>
-    <p:sldId id="261" r:id="rId16"/>
-    <p:sldId id="262" r:id="rId17"/>
-    <p:sldId id="271" r:id="rId18"/>
-    <p:sldId id="267" r:id="rId19"/>
-    <p:sldId id="277" r:id="rId20"/>
-    <p:sldId id="268" r:id="rId21"/>
-    <p:sldId id="270" r:id="rId22"/>
+    <p:sldId id="279" r:id="rId2"/>
+    <p:sldId id="264" r:id="rId3"/>
+    <p:sldId id="258" r:id="rId4"/>
+    <p:sldId id="259" r:id="rId5"/>
+    <p:sldId id="257" r:id="rId6"/>
+    <p:sldId id="272" r:id="rId7"/>
+    <p:sldId id="274" r:id="rId8"/>
+    <p:sldId id="265" r:id="rId9"/>
+    <p:sldId id="263" r:id="rId10"/>
+    <p:sldId id="266" r:id="rId11"/>
+    <p:sldId id="276" r:id="rId12"/>
+    <p:sldId id="275" r:id="rId13"/>
+    <p:sldId id="260" r:id="rId14"/>
+    <p:sldId id="261" r:id="rId15"/>
+    <p:sldId id="262" r:id="rId16"/>
+    <p:sldId id="271" r:id="rId17"/>
+    <p:sldId id="267" r:id="rId18"/>
+    <p:sldId id="277" r:id="rId19"/>
+    <p:sldId id="268" r:id="rId20"/>
+    <p:sldId id="278" r:id="rId21"/>
   </p:sldIdLst>
   <p:sldSz cx="12192000" cy="6858000"/>
   <p:notesSz cx="6858000" cy="9144000"/>
@@ -635,7 +634,7 @@
             <a:fld id="{87DE6118-2437-4B30-8E3C-4D2BE6020583}" type="datetimeFigureOut">
               <a:rPr lang="en-US" smtClean="0"/>
               <a:pPr/>
-              <a:t>7/13/2020</a:t>
+              <a:t>7/17/2020</a:t>
             </a:fld>
             <a:endParaRPr lang="en-US" dirty="0"/>
           </a:p>
@@ -933,7 +932,7 @@
             <a:fld id="{87DE6118-2437-4B30-8E3C-4D2BE6020583}" type="datetimeFigureOut">
               <a:rPr lang="en-US" smtClean="0"/>
               <a:pPr/>
-              <a:t>7/13/2020</a:t>
+              <a:t>7/17/2020</a:t>
             </a:fld>
             <a:endParaRPr lang="en-US" dirty="0"/>
           </a:p>
@@ -1183,7 +1182,7 @@
             <a:fld id="{87DE6118-2437-4B30-8E3C-4D2BE6020583}" type="datetimeFigureOut">
               <a:rPr lang="en-US" smtClean="0"/>
               <a:pPr/>
-              <a:t>7/13/2020</a:t>
+              <a:t>7/17/2020</a:t>
             </a:fld>
             <a:endParaRPr lang="en-US" dirty="0"/>
           </a:p>
@@ -1725,7 +1724,7 @@
             <a:fld id="{87DE6118-2437-4B30-8E3C-4D2BE6020583}" type="datetimeFigureOut">
               <a:rPr lang="en-US" smtClean="0"/>
               <a:pPr/>
-              <a:t>7/13/2020</a:t>
+              <a:t>7/17/2020</a:t>
             </a:fld>
             <a:endParaRPr lang="en-US" dirty="0"/>
           </a:p>
@@ -1975,7 +1974,7 @@
             <a:fld id="{87DE6118-2437-4B30-8E3C-4D2BE6020583}" type="datetimeFigureOut">
               <a:rPr lang="en-US" smtClean="0"/>
               <a:pPr/>
-              <a:t>7/13/2020</a:t>
+              <a:t>7/17/2020</a:t>
             </a:fld>
             <a:endParaRPr lang="en-US" dirty="0"/>
           </a:p>
@@ -2509,7 +2508,7 @@
             <a:fld id="{87DE6118-2437-4B30-8E3C-4D2BE6020583}" type="datetimeFigureOut">
               <a:rPr lang="en-US" smtClean="0"/>
               <a:pPr/>
-              <a:t>7/13/2020</a:t>
+              <a:t>7/17/2020</a:t>
             </a:fld>
             <a:endParaRPr lang="en-US" dirty="0"/>
           </a:p>
@@ -2808,7 +2807,7 @@
             <a:fld id="{87DE6118-2437-4B30-8E3C-4D2BE6020583}" type="datetimeFigureOut">
               <a:rPr lang="en-US" smtClean="0"/>
               <a:pPr/>
-              <a:t>7/13/2020</a:t>
+              <a:t>7/17/2020</a:t>
             </a:fld>
             <a:endParaRPr lang="en-US" dirty="0"/>
           </a:p>
@@ -2983,7 +2982,7 @@
           <a:p>
             <a:fld id="{87DE6118-2437-4B30-8E3C-4D2BE6020583}" type="datetimeFigureOut">
               <a:rPr lang="en-US" smtClean="0"/>
-              <a:t>7/13/2020</a:t>
+              <a:t>7/17/2020</a:t>
             </a:fld>
             <a:endParaRPr lang="en-US" dirty="0"/>
           </a:p>
@@ -3163,7 +3162,7 @@
           <a:p>
             <a:fld id="{87DE6118-2437-4B30-8E3C-4D2BE6020583}" type="datetimeFigureOut">
               <a:rPr lang="en-US" smtClean="0"/>
-              <a:t>7/13/2020</a:t>
+              <a:t>7/17/2020</a:t>
             </a:fld>
             <a:endParaRPr lang="en-US" dirty="0"/>
           </a:p>
@@ -3333,7 +3332,7 @@
           <a:p>
             <a:fld id="{87DE6118-2437-4B30-8E3C-4D2BE6020583}" type="datetimeFigureOut">
               <a:rPr lang="en-US" smtClean="0"/>
-              <a:t>7/13/2020</a:t>
+              <a:t>7/17/2020</a:t>
             </a:fld>
             <a:endParaRPr lang="en-US" dirty="0"/>
           </a:p>
@@ -3585,7 +3584,7 @@
             <a:fld id="{87DE6118-2437-4B30-8E3C-4D2BE6020583}" type="datetimeFigureOut">
               <a:rPr lang="en-US" smtClean="0"/>
               <a:pPr/>
-              <a:t>7/13/2020</a:t>
+              <a:t>7/17/2020</a:t>
             </a:fld>
             <a:endParaRPr lang="en-US" dirty="0"/>
           </a:p>
@@ -3883,7 +3882,7 @@
           <a:p>
             <a:fld id="{87DE6118-2437-4B30-8E3C-4D2BE6020583}" type="datetimeFigureOut">
               <a:rPr lang="en-US" smtClean="0"/>
-              <a:t>7/13/2020</a:t>
+              <a:t>7/17/2020</a:t>
             </a:fld>
             <a:endParaRPr lang="en-US" dirty="0"/>
           </a:p>
@@ -4325,7 +4324,7 @@
           <a:p>
             <a:fld id="{87DE6118-2437-4B30-8E3C-4D2BE6020583}" type="datetimeFigureOut">
               <a:rPr lang="en-US" smtClean="0"/>
-              <a:t>7/13/2020</a:t>
+              <a:t>7/17/2020</a:t>
             </a:fld>
             <a:endParaRPr lang="en-US" dirty="0"/>
           </a:p>
@@ -4443,7 +4442,7 @@
           <a:p>
             <a:fld id="{87DE6118-2437-4B30-8E3C-4D2BE6020583}" type="datetimeFigureOut">
               <a:rPr lang="en-US" smtClean="0"/>
-              <a:t>7/13/2020</a:t>
+              <a:t>7/17/2020</a:t>
             </a:fld>
             <a:endParaRPr lang="en-US" dirty="0"/>
           </a:p>
@@ -4538,7 +4537,7 @@
           <a:p>
             <a:fld id="{87DE6118-2437-4B30-8E3C-4D2BE6020583}" type="datetimeFigureOut">
               <a:rPr lang="en-US" smtClean="0"/>
-              <a:t>7/13/2020</a:t>
+              <a:t>7/17/2020</a:t>
             </a:fld>
             <a:endParaRPr lang="en-US" dirty="0"/>
           </a:p>
@@ -4822,7 +4821,7 @@
             <a:fld id="{87DE6118-2437-4B30-8E3C-4D2BE6020583}" type="datetimeFigureOut">
               <a:rPr lang="en-US" smtClean="0"/>
               <a:pPr/>
-              <a:t>7/13/2020</a:t>
+              <a:t>7/17/2020</a:t>
             </a:fld>
             <a:endParaRPr lang="en-US" dirty="0"/>
           </a:p>
@@ -5115,7 +5114,7 @@
             <a:fld id="{87DE6118-2437-4B30-8E3C-4D2BE6020583}" type="datetimeFigureOut">
               <a:rPr lang="en-US" smtClean="0"/>
               <a:pPr/>
-              <a:t>7/13/2020</a:t>
+              <a:t>7/17/2020</a:t>
             </a:fld>
             <a:endParaRPr lang="en-US" dirty="0"/>
           </a:p>
@@ -5647,7 +5646,7 @@
             <a:fld id="{87DE6118-2437-4B30-8E3C-4D2BE6020583}" type="datetimeFigureOut">
               <a:rPr lang="en-US" smtClean="0"/>
               <a:pPr/>
-              <a:t>7/13/2020</a:t>
+              <a:t>7/17/2020</a:t>
             </a:fld>
             <a:endParaRPr lang="en-US" dirty="0"/>
           </a:p>
@@ -6219,8 +6218,8 @@
         </p:nvSpPr>
         <p:spPr>
           <a:xfrm>
-            <a:off x="2928402" y="0"/>
-            <a:ext cx="9263598" cy="3785652"/>
+            <a:off x="2427316" y="216130"/>
+            <a:ext cx="9573491" cy="3539430"/>
           </a:xfrm>
           <a:prstGeom prst="rect">
             <a:avLst/>
@@ -6235,14 +6234,17 @@
           <a:p>
             <a:r>
               <a:rPr lang="es-ES" sz="4800" b="1" dirty="0"/>
-              <a:t>Generador Sintético de datos para una aplicación de Fintech: ‘Finbook’</a:t>
+              <a:t>Generador sintético de datos para una aplicación de Fintech: ‘Finbook’</a:t>
             </a:r>
           </a:p>
           <a:p>
             <a:r>
               <a:rPr lang="es-ES" sz="3200" dirty="0"/>
-              <a:t>Fecha: 23 de Julio de 2020</a:t>
-            </a:r>
+              <a:t>Julio de 2020</a:t>
+            </a:r>
+          </a:p>
+          <a:p>
+            <a:endParaRPr lang="es-ES" sz="3200" dirty="0"/>
           </a:p>
           <a:p>
             <a:r>
@@ -6300,7 +6302,7 @@
     </p:spTree>
     <p:extLst>
       <p:ext uri="{BB962C8B-B14F-4D97-AF65-F5344CB8AC3E}">
-        <p14:creationId xmlns:p14="http://schemas.microsoft.com/office/powerpoint/2010/main" val="4230059555"/>
+        <p14:creationId xmlns:p14="http://schemas.microsoft.com/office/powerpoint/2010/main" val="1382544868"/>
       </p:ext>
     </p:extLst>
   </p:cSld>
@@ -6311,90 +6313,6 @@
 </file>
 
 <file path=ppt/slides/slide10.xml><?xml version="1.0" encoding="utf-8"?>
-<p:sld xmlns:a="http://schemas.openxmlformats.org/drawingml/2006/main" xmlns:r="http://schemas.openxmlformats.org/officeDocument/2006/relationships" xmlns:p="http://schemas.openxmlformats.org/presentationml/2006/main">
-  <p:cSld>
-    <p:spTree>
-      <p:nvGrpSpPr>
-        <p:cNvPr id="1" name=""/>
-        <p:cNvGrpSpPr/>
-        <p:nvPr/>
-      </p:nvGrpSpPr>
-      <p:grpSpPr>
-        <a:xfrm>
-          <a:off x="0" y="0"/>
-          <a:ext cx="0" cy="0"/>
-          <a:chOff x="0" y="0"/>
-          <a:chExt cx="0" cy="0"/>
-        </a:xfrm>
-      </p:grpSpPr>
-      <p:sp>
-        <p:nvSpPr>
-          <p:cNvPr id="2" name="Título 1"/>
-          <p:cNvSpPr>
-            <a:spLocks noGrp="1"/>
-          </p:cNvSpPr>
-          <p:nvPr>
-            <p:ph type="title"/>
-          </p:nvPr>
-        </p:nvSpPr>
-        <p:spPr>
-          <a:xfrm>
-            <a:off x="1484309" y="0"/>
-            <a:ext cx="10018713" cy="1752599"/>
-          </a:xfrm>
-        </p:spPr>
-        <p:txBody>
-          <a:bodyPr>
-            <a:normAutofit/>
-          </a:bodyPr>
-          <a:lstStyle/>
-          <a:p>
-            <a:r>
-              <a:rPr lang="es-ES" dirty="0"/>
-              <a:t>Exposición del proyecto</a:t>
-            </a:r>
-          </a:p>
-        </p:txBody>
-      </p:sp>
-      <p:sp>
-        <p:nvSpPr>
-          <p:cNvPr id="3" name="Marcador de contenido 2"/>
-          <p:cNvSpPr>
-            <a:spLocks noGrp="1"/>
-          </p:cNvSpPr>
-          <p:nvPr>
-            <p:ph idx="1"/>
-          </p:nvPr>
-        </p:nvSpPr>
-        <p:spPr/>
-        <p:txBody>
-          <a:bodyPr/>
-          <a:lstStyle/>
-          <a:p>
-            <a:pPr marL="0" indent="0">
-              <a:buNone/>
-            </a:pPr>
-            <a:r>
-              <a:rPr lang="es-ES" dirty="0"/>
-              <a:t> </a:t>
-            </a:r>
-          </a:p>
-        </p:txBody>
-      </p:sp>
-    </p:spTree>
-    <p:extLst>
-      <p:ext uri="{BB962C8B-B14F-4D97-AF65-F5344CB8AC3E}">
-        <p14:creationId xmlns:p14="http://schemas.microsoft.com/office/powerpoint/2010/main" val="4016096875"/>
-      </p:ext>
-    </p:extLst>
-  </p:cSld>
-  <p:clrMapOvr>
-    <a:masterClrMapping/>
-  </p:clrMapOvr>
-</p:sld>
-</file>
-
-<file path=ppt/slides/slide11.xml><?xml version="1.0" encoding="utf-8"?>
 <p:sld xmlns:a="http://schemas.openxmlformats.org/drawingml/2006/main" xmlns:r="http://schemas.openxmlformats.org/officeDocument/2006/relationships" xmlns:p="http://schemas.openxmlformats.org/presentationml/2006/main">
   <p:cSld>
     <p:spTree>
@@ -6542,7 +6460,7 @@
 </p:sld>
 </file>
 
-<file path=ppt/slides/slide12.xml><?xml version="1.0" encoding="utf-8"?>
+<file path=ppt/slides/slide11.xml><?xml version="1.0" encoding="utf-8"?>
 <p:sld xmlns:a="http://schemas.openxmlformats.org/drawingml/2006/main" xmlns:r="http://schemas.openxmlformats.org/officeDocument/2006/relationships" xmlns:p="http://schemas.openxmlformats.org/presentationml/2006/main">
   <p:cSld>
     <p:spTree>
@@ -6652,7 +6570,7 @@
 </p:sld>
 </file>
 
-<file path=ppt/slides/slide13.xml><?xml version="1.0" encoding="utf-8"?>
+<file path=ppt/slides/slide12.xml><?xml version="1.0" encoding="utf-8"?>
 <p:sld xmlns:a="http://schemas.openxmlformats.org/drawingml/2006/main" xmlns:r="http://schemas.openxmlformats.org/officeDocument/2006/relationships" xmlns:p="http://schemas.openxmlformats.org/presentationml/2006/main">
   <p:cSld>
     <p:spTree>
@@ -6801,7 +6719,7 @@
 </p:sld>
 </file>
 
-<file path=ppt/slides/slide14.xml><?xml version="1.0" encoding="utf-8"?>
+<file path=ppt/slides/slide13.xml><?xml version="1.0" encoding="utf-8"?>
 <p:sld xmlns:a="http://schemas.openxmlformats.org/drawingml/2006/main" xmlns:r="http://schemas.openxmlformats.org/officeDocument/2006/relationships" xmlns:p="http://schemas.openxmlformats.org/presentationml/2006/main">
   <p:cSld>
     <p:spTree>
@@ -6840,7 +6758,7 @@
           <a:p>
             <a:r>
               <a:rPr lang="es-ES" dirty="0"/>
-              <a:t>Generador Sintético de datos</a:t>
+              <a:t>Generador sintético de datos</a:t>
             </a:r>
           </a:p>
         </p:txBody>
@@ -7024,7 +6942,7 @@
 </p:sld>
 </file>
 
-<file path=ppt/slides/slide15.xml><?xml version="1.0" encoding="utf-8"?>
+<file path=ppt/slides/slide14.xml><?xml version="1.0" encoding="utf-8"?>
 <p:sld xmlns:a="http://schemas.openxmlformats.org/drawingml/2006/main" xmlns:r="http://schemas.openxmlformats.org/officeDocument/2006/relationships" xmlns:p="http://schemas.openxmlformats.org/presentationml/2006/main">
   <p:cSld>
     <p:spTree>
@@ -7109,8 +7027,8 @@
         </p:nvSpPr>
         <p:spPr>
           <a:xfrm>
-            <a:off x="1484310" y="2036619"/>
-            <a:ext cx="10018713" cy="3754582"/>
+            <a:off x="4717962" y="1752599"/>
+            <a:ext cx="3960372" cy="3754582"/>
           </a:xfrm>
           <a:prstGeom prst="rect">
             <a:avLst/>
@@ -7349,102 +7267,54 @@
           </a:lstStyle>
           <a:p>
             <a:r>
-              <a:rPr lang="es-ES"/>
+              <a:rPr lang="es-ES" dirty="0"/>
               <a:t>Ciclo de Vida de la Simulación</a:t>
             </a:r>
           </a:p>
           <a:p>
             <a:r>
-              <a:rPr lang="es-ES"/>
+              <a:rPr lang="es-ES" dirty="0"/>
               <a:t>Agentes Activos o Simulables</a:t>
             </a:r>
           </a:p>
           <a:p>
             <a:r>
-              <a:rPr lang="es-ES"/>
+              <a:rPr lang="es-ES" dirty="0"/>
               <a:t>Bajas y Altas de Simulables</a:t>
             </a:r>
           </a:p>
           <a:p>
             <a:r>
-              <a:rPr lang="es-ES"/>
+              <a:rPr lang="es-ES" dirty="0"/>
               <a:t>Administración</a:t>
             </a:r>
           </a:p>
           <a:p>
             <a:r>
-              <a:rPr lang="es-ES"/>
+              <a:rPr lang="es-ES" dirty="0"/>
               <a:t>Facturas</a:t>
             </a:r>
           </a:p>
           <a:p>
             <a:r>
-              <a:rPr lang="es-ES"/>
+              <a:rPr lang="es-ES" dirty="0"/>
               <a:t>Eventos</a:t>
             </a:r>
           </a:p>
           <a:p>
             <a:r>
-              <a:rPr lang="es-ES"/>
+              <a:rPr lang="es-ES" dirty="0"/>
               <a:t>Capa de Datos</a:t>
             </a:r>
           </a:p>
           <a:p>
             <a:r>
-              <a:rPr lang="es-ES"/>
+              <a:rPr lang="es-ES" dirty="0"/>
               <a:t>Preparación de Simulables</a:t>
             </a:r>
-            <a:endParaRPr lang="es-ES" dirty="0"/>
-          </a:p>
-        </p:txBody>
-      </p:sp>
-      <p:pic>
-        <p:nvPicPr>
-          <p:cNvPr id="18434" name="Picture 2" descr="BLOG DEL INSTITUTO EUROPEO DE GESTIÓN EMPRESARIAL : COMPRA VENTA ...">
-            <a:extLst>
-              <a:ext uri="{FF2B5EF4-FFF2-40B4-BE49-F238E27FC236}">
-                <a16:creationId xmlns:a16="http://schemas.microsoft.com/office/drawing/2014/main" id="{97C5B629-BC8F-47FF-BB4F-0DBA637E5502}"/>
-              </a:ext>
-            </a:extLst>
-          </p:cNvPr>
-          <p:cNvPicPr>
-            <a:picLocks noChangeAspect="1" noChangeArrowheads="1"/>
-          </p:cNvPicPr>
-          <p:nvPr/>
-        </p:nvPicPr>
-        <p:blipFill>
-          <a:blip r:embed="rId2">
-            <a:extLst>
-              <a:ext uri="{28A0092B-C50C-407E-A947-70E740481C1C}">
-                <a14:useLocalDpi xmlns:a14="http://schemas.microsoft.com/office/drawing/2010/main" val="0"/>
-              </a:ext>
-            </a:extLst>
-          </a:blip>
-          <a:srcRect/>
-          <a:stretch>
-            <a:fillRect/>
-          </a:stretch>
-        </p:blipFill>
-        <p:spPr bwMode="auto">
-          <a:xfrm>
-            <a:off x="5648708" y="2666998"/>
-            <a:ext cx="6543292" cy="2638424"/>
-          </a:xfrm>
-          <a:prstGeom prst="rect">
-            <a:avLst/>
-          </a:prstGeom>
-          <a:noFill/>
-          <a:extLst>
-            <a:ext uri="{909E8E84-426E-40DD-AFC4-6F175D3DCCD1}">
-              <a14:hiddenFill xmlns:a14="http://schemas.microsoft.com/office/drawing/2010/main">
-                <a:solidFill>
-                  <a:srgbClr val="FFFFFF"/>
-                </a:solidFill>
-              </a14:hiddenFill>
-            </a:ext>
-          </a:extLst>
-        </p:spPr>
-      </p:pic>
+          </a:p>
+        </p:txBody>
+      </p:sp>
     </p:spTree>
     <p:extLst>
       <p:ext uri="{BB962C8B-B14F-4D97-AF65-F5344CB8AC3E}">
@@ -7458,7 +7328,7 @@
 </p:sld>
 </file>
 
-<file path=ppt/slides/slide16.xml><?xml version="1.0" encoding="utf-8"?>
+<file path=ppt/slides/slide15.xml><?xml version="1.0" encoding="utf-8"?>
 <p:sld xmlns:a="http://schemas.openxmlformats.org/drawingml/2006/main" xmlns:r="http://schemas.openxmlformats.org/officeDocument/2006/relationships" xmlns:p="http://schemas.openxmlformats.org/presentationml/2006/main">
   <p:cSld>
     <p:spTree>
@@ -7497,7 +7367,7 @@
           <a:p>
             <a:r>
               <a:rPr lang="es-ES" dirty="0"/>
-              <a:t>Entorno de Usuario de la Simulación</a:t>
+              <a:t>Entorno de usuario de la simulación</a:t>
             </a:r>
           </a:p>
         </p:txBody>
@@ -7562,7 +7432,7 @@
 </p:sld>
 </file>
 
-<file path=ppt/slides/slide17.xml><?xml version="1.0" encoding="utf-8"?>
+<file path=ppt/slides/slide16.xml><?xml version="1.0" encoding="utf-8"?>
 <p:sld xmlns:a="http://schemas.openxmlformats.org/drawingml/2006/main" xmlns:r="http://schemas.openxmlformats.org/officeDocument/2006/relationships" xmlns:p="http://schemas.openxmlformats.org/presentationml/2006/main">
   <p:cSld>
     <p:spTree>
@@ -7601,7 +7471,7 @@
           <a:p>
             <a:r>
               <a:rPr lang="es-ES" dirty="0"/>
-              <a:t>Metodología y Planificación </a:t>
+              <a:t>Metodología y planificación </a:t>
             </a:r>
           </a:p>
         </p:txBody>
@@ -7821,6 +7691,114 @@
 </p:sld>
 </file>
 
+<file path=ppt/slides/slide17.xml><?xml version="1.0" encoding="utf-8"?>
+<p:sld xmlns:a="http://schemas.openxmlformats.org/drawingml/2006/main" xmlns:r="http://schemas.openxmlformats.org/officeDocument/2006/relationships" xmlns:p="http://schemas.openxmlformats.org/presentationml/2006/main">
+  <p:cSld>
+    <p:spTree>
+      <p:nvGrpSpPr>
+        <p:cNvPr id="1" name=""/>
+        <p:cNvGrpSpPr/>
+        <p:nvPr/>
+      </p:nvGrpSpPr>
+      <p:grpSpPr>
+        <a:xfrm>
+          <a:off x="0" y="0"/>
+          <a:ext cx="0" cy="0"/>
+          <a:chOff x="0" y="0"/>
+          <a:chExt cx="0" cy="0"/>
+        </a:xfrm>
+      </p:grpSpPr>
+      <p:sp>
+        <p:nvSpPr>
+          <p:cNvPr id="2" name="Título 1"/>
+          <p:cNvSpPr>
+            <a:spLocks noGrp="1"/>
+          </p:cNvSpPr>
+          <p:nvPr>
+            <p:ph type="title"/>
+          </p:nvPr>
+        </p:nvSpPr>
+        <p:spPr>
+          <a:xfrm>
+            <a:off x="1484310" y="0"/>
+            <a:ext cx="10018713" cy="1752599"/>
+          </a:xfrm>
+        </p:spPr>
+        <p:txBody>
+          <a:bodyPr/>
+          <a:lstStyle/>
+          <a:p>
+            <a:r>
+              <a:rPr lang="es-ES" dirty="0"/>
+              <a:t>Resultado obtenido</a:t>
+            </a:r>
+          </a:p>
+        </p:txBody>
+      </p:sp>
+      <p:sp>
+        <p:nvSpPr>
+          <p:cNvPr id="3" name="Marcador de contenido 2"/>
+          <p:cNvSpPr>
+            <a:spLocks noGrp="1"/>
+          </p:cNvSpPr>
+          <p:nvPr>
+            <p:ph idx="1"/>
+          </p:nvPr>
+        </p:nvSpPr>
+        <p:spPr>
+          <a:xfrm>
+            <a:off x="4435329" y="2359428"/>
+            <a:ext cx="10018713" cy="3124201"/>
+          </a:xfrm>
+        </p:spPr>
+        <p:txBody>
+          <a:bodyPr/>
+          <a:lstStyle/>
+          <a:p>
+            <a:r>
+              <a:rPr lang="es-ES" dirty="0"/>
+              <a:t>A nivel del proyecto</a:t>
+            </a:r>
+          </a:p>
+          <a:p>
+            <a:r>
+              <a:rPr lang="es-ES" dirty="0"/>
+              <a:t>A nivel personal</a:t>
+            </a:r>
+          </a:p>
+          <a:p>
+            <a:r>
+              <a:rPr lang="es-ES" dirty="0"/>
+              <a:t>A nivel laboral</a:t>
+            </a:r>
+          </a:p>
+          <a:p>
+            <a:endParaRPr lang="es-ES" dirty="0"/>
+          </a:p>
+          <a:p>
+            <a:pPr marL="0" indent="0">
+              <a:buNone/>
+            </a:pPr>
+            <a:endParaRPr lang="es-ES" dirty="0"/>
+          </a:p>
+          <a:p>
+            <a:endParaRPr lang="es-ES" dirty="0"/>
+          </a:p>
+        </p:txBody>
+      </p:sp>
+    </p:spTree>
+    <p:extLst>
+      <p:ext uri="{BB962C8B-B14F-4D97-AF65-F5344CB8AC3E}">
+        <p14:creationId xmlns:p14="http://schemas.microsoft.com/office/powerpoint/2010/main" val="3157086036"/>
+      </p:ext>
+    </p:extLst>
+  </p:cSld>
+  <p:clrMapOvr>
+    <a:masterClrMapping/>
+  </p:clrMapOvr>
+</p:sld>
+</file>
+
 <file path=ppt/slides/slide18.xml><?xml version="1.0" encoding="utf-8"?>
 <p:sld xmlns:a="http://schemas.openxmlformats.org/drawingml/2006/main" xmlns:r="http://schemas.openxmlformats.org/officeDocument/2006/relationships" xmlns:p="http://schemas.openxmlformats.org/presentationml/2006/main">
   <p:cSld>
@@ -7840,7 +7818,13 @@
       </p:grpSpPr>
       <p:sp>
         <p:nvSpPr>
-          <p:cNvPr id="2" name="Título 1"/>
+          <p:cNvPr id="2" name="Título 1">
+            <a:extLst>
+              <a:ext uri="{FF2B5EF4-FFF2-40B4-BE49-F238E27FC236}">
+                <a16:creationId xmlns:a16="http://schemas.microsoft.com/office/drawing/2014/main" id="{3E76536E-434B-4DB2-B0BD-7FD3496B4A94}"/>
+              </a:ext>
+            </a:extLst>
+          </p:cNvPr>
           <p:cNvSpPr>
             <a:spLocks noGrp="1"/>
           </p:cNvSpPr>
@@ -7850,7 +7834,7 @@
         </p:nvSpPr>
         <p:spPr>
           <a:xfrm>
-            <a:off x="1484310" y="0"/>
+            <a:off x="1442748" y="0"/>
             <a:ext cx="10018713" cy="1752599"/>
           </a:xfrm>
         </p:spPr>
@@ -7860,108 +7844,295 @@
           <a:p>
             <a:r>
               <a:rPr lang="es-ES" dirty="0"/>
-              <a:t>Resultado Obtenido</a:t>
-            </a:r>
-          </a:p>
-        </p:txBody>
-      </p:sp>
-      <p:sp>
-        <p:nvSpPr>
-          <p:cNvPr id="3" name="Marcador de contenido 2"/>
-          <p:cNvSpPr>
-            <a:spLocks noGrp="1"/>
-          </p:cNvSpPr>
-          <p:nvPr>
-            <p:ph idx="1"/>
-          </p:nvPr>
-        </p:nvSpPr>
-        <p:spPr/>
-        <p:txBody>
-          <a:bodyPr/>
-          <a:lstStyle/>
-          <a:p>
-            <a:r>
-              <a:rPr lang="es-ES" dirty="0"/>
-              <a:t>A nivel del proyecto</a:t>
-            </a:r>
-          </a:p>
-          <a:p>
-            <a:r>
-              <a:rPr lang="es-ES" dirty="0"/>
-              <a:t>A nivel personal</a:t>
-            </a:r>
-          </a:p>
-          <a:p>
-            <a:r>
-              <a:rPr lang="es-ES" dirty="0"/>
-              <a:t>A nivel laboral</a:t>
-            </a:r>
-          </a:p>
-          <a:p>
-            <a:endParaRPr lang="es-ES" dirty="0"/>
-          </a:p>
-          <a:p>
-            <a:pPr marL="0" indent="0">
-              <a:buNone/>
-            </a:pPr>
-            <a:endParaRPr lang="es-ES" dirty="0"/>
-          </a:p>
-          <a:p>
-            <a:endParaRPr lang="es-ES" dirty="0"/>
-          </a:p>
-        </p:txBody>
-      </p:sp>
-      <p:pic>
-        <p:nvPicPr>
-          <p:cNvPr id="24578" name="Picture 2" descr="La Fundación BBVA impulsa proyectos de 25 equipos de investigación ...">
+              <a:t>Aportaciones</a:t>
+            </a:r>
+          </a:p>
+        </p:txBody>
+      </p:sp>
+      <p:sp>
+        <p:nvSpPr>
+          <p:cNvPr id="4" name="Marcador de contenido 2">
             <a:extLst>
               <a:ext uri="{FF2B5EF4-FFF2-40B4-BE49-F238E27FC236}">
-                <a16:creationId xmlns:a16="http://schemas.microsoft.com/office/drawing/2014/main" id="{B2CE43FF-4BC1-4AF5-BF53-DAFD6FD37266}"/>
+                <a16:creationId xmlns:a16="http://schemas.microsoft.com/office/drawing/2014/main" id="{5ECAF5BF-6276-438C-A879-942CD3331A0D}"/>
               </a:ext>
             </a:extLst>
           </p:cNvPr>
-          <p:cNvPicPr>
-            <a:picLocks noChangeAspect="1" noChangeArrowheads="1"/>
-          </p:cNvPicPr>
+          <p:cNvSpPr txBox="1">
+            <a:spLocks/>
+          </p:cNvSpPr>
           <p:nvPr/>
-        </p:nvPicPr>
-        <p:blipFill>
-          <a:blip r:embed="rId2">
-            <a:extLst>
-              <a:ext uri="{28A0092B-C50C-407E-A947-70E740481C1C}">
-                <a14:useLocalDpi xmlns:a14="http://schemas.microsoft.com/office/drawing/2010/main" val="0"/>
-              </a:ext>
-            </a:extLst>
-          </a:blip>
-          <a:srcRect/>
-          <a:stretch>
-            <a:fillRect/>
-          </a:stretch>
-        </p:blipFill>
-        <p:spPr bwMode="auto">
+        </p:nvSpPr>
+        <p:spPr>
           <a:xfrm>
-            <a:off x="5245003" y="2308859"/>
-            <a:ext cx="5847842" cy="3840480"/>
+            <a:off x="4717962" y="1752599"/>
+            <a:ext cx="3960372" cy="3754582"/>
           </a:xfrm>
           <a:prstGeom prst="rect">
             <a:avLst/>
           </a:prstGeom>
-          <a:noFill/>
-          <a:extLst>
-            <a:ext uri="{909E8E84-426E-40DD-AFC4-6F175D3DCCD1}">
-              <a14:hiddenFill xmlns:a14="http://schemas.microsoft.com/office/drawing/2010/main">
-                <a:solidFill>
-                  <a:srgbClr val="FFFFFF"/>
-                </a:solidFill>
-              </a14:hiddenFill>
-            </a:ext>
-          </a:extLst>
         </p:spPr>
-      </p:pic>
+        <p:txBody>
+          <a:bodyPr vert="horz" lIns="91440" tIns="45720" rIns="91440" bIns="45720" rtlCol="0" anchor="ctr">
+            <a:normAutofit/>
+          </a:bodyPr>
+          <a:lstStyle>
+            <a:lvl1pPr marL="285750" indent="-285750" algn="l" defTabSz="457200" rtl="0" eaLnBrk="1" latinLnBrk="0" hangingPunct="1">
+              <a:spcBef>
+                <a:spcPct val="20000"/>
+              </a:spcBef>
+              <a:spcAft>
+                <a:spcPts val="600"/>
+              </a:spcAft>
+              <a:buClr>
+                <a:schemeClr val="accent1">
+                  <a:lumMod val="75000"/>
+                </a:schemeClr>
+              </a:buClr>
+              <a:buSzPct val="145000"/>
+              <a:buFont typeface="Arial"/>
+              <a:buChar char="•"/>
+              <a:defRPr sz="2400" kern="1200" cap="none">
+                <a:solidFill>
+                  <a:schemeClr val="tx1"/>
+                </a:solidFill>
+                <a:effectLst/>
+                <a:latin typeface="+mn-lt"/>
+                <a:ea typeface="+mn-ea"/>
+                <a:cs typeface="+mn-cs"/>
+              </a:defRPr>
+            </a:lvl1pPr>
+            <a:lvl2pPr marL="742950" indent="-285750" algn="l" defTabSz="457200" rtl="0" eaLnBrk="1" latinLnBrk="0" hangingPunct="1">
+              <a:spcBef>
+                <a:spcPct val="20000"/>
+              </a:spcBef>
+              <a:spcAft>
+                <a:spcPts val="600"/>
+              </a:spcAft>
+              <a:buClr>
+                <a:schemeClr val="accent1">
+                  <a:lumMod val="75000"/>
+                </a:schemeClr>
+              </a:buClr>
+              <a:buSzPct val="145000"/>
+              <a:buFont typeface="Arial"/>
+              <a:buChar char="•"/>
+              <a:defRPr sz="2000" kern="1200" cap="none">
+                <a:solidFill>
+                  <a:schemeClr val="tx1"/>
+                </a:solidFill>
+                <a:effectLst/>
+                <a:latin typeface="+mn-lt"/>
+                <a:ea typeface="+mn-ea"/>
+                <a:cs typeface="+mn-cs"/>
+              </a:defRPr>
+            </a:lvl2pPr>
+            <a:lvl3pPr marL="1200150" indent="-285750" algn="l" defTabSz="457200" rtl="0" eaLnBrk="1" latinLnBrk="0" hangingPunct="1">
+              <a:spcBef>
+                <a:spcPct val="20000"/>
+              </a:spcBef>
+              <a:spcAft>
+                <a:spcPts val="600"/>
+              </a:spcAft>
+              <a:buClr>
+                <a:schemeClr val="accent1">
+                  <a:lumMod val="75000"/>
+                </a:schemeClr>
+              </a:buClr>
+              <a:buSzPct val="145000"/>
+              <a:buFont typeface="Arial"/>
+              <a:buChar char="•"/>
+              <a:defRPr sz="1800" kern="1200" cap="none">
+                <a:solidFill>
+                  <a:schemeClr val="tx1"/>
+                </a:solidFill>
+                <a:effectLst/>
+                <a:latin typeface="+mn-lt"/>
+                <a:ea typeface="+mn-ea"/>
+                <a:cs typeface="+mn-cs"/>
+              </a:defRPr>
+            </a:lvl3pPr>
+            <a:lvl4pPr marL="1543050" indent="-171450" algn="l" defTabSz="457200" rtl="0" eaLnBrk="1" latinLnBrk="0" hangingPunct="1">
+              <a:spcBef>
+                <a:spcPct val="20000"/>
+              </a:spcBef>
+              <a:spcAft>
+                <a:spcPts val="600"/>
+              </a:spcAft>
+              <a:buClr>
+                <a:schemeClr val="accent1">
+                  <a:lumMod val="75000"/>
+                </a:schemeClr>
+              </a:buClr>
+              <a:buSzPct val="145000"/>
+              <a:buFont typeface="Arial"/>
+              <a:buChar char="•"/>
+              <a:defRPr sz="1600" kern="1200" cap="none">
+                <a:solidFill>
+                  <a:schemeClr val="tx1"/>
+                </a:solidFill>
+                <a:effectLst/>
+                <a:latin typeface="+mn-lt"/>
+                <a:ea typeface="+mn-ea"/>
+                <a:cs typeface="+mn-cs"/>
+              </a:defRPr>
+            </a:lvl4pPr>
+            <a:lvl5pPr marL="2000250" indent="-171450" algn="l" defTabSz="457200" rtl="0" eaLnBrk="1" latinLnBrk="0" hangingPunct="1">
+              <a:spcBef>
+                <a:spcPct val="20000"/>
+              </a:spcBef>
+              <a:spcAft>
+                <a:spcPts val="600"/>
+              </a:spcAft>
+              <a:buClr>
+                <a:schemeClr val="accent1">
+                  <a:lumMod val="75000"/>
+                </a:schemeClr>
+              </a:buClr>
+              <a:buSzPct val="145000"/>
+              <a:buFont typeface="Arial"/>
+              <a:buChar char="•"/>
+              <a:defRPr sz="1400" kern="1200" cap="none">
+                <a:solidFill>
+                  <a:schemeClr val="tx1"/>
+                </a:solidFill>
+                <a:effectLst/>
+                <a:latin typeface="+mn-lt"/>
+                <a:ea typeface="+mn-ea"/>
+                <a:cs typeface="+mn-cs"/>
+              </a:defRPr>
+            </a:lvl5pPr>
+            <a:lvl6pPr marL="2514600" indent="-228600" algn="l" defTabSz="457200" rtl="0" eaLnBrk="1" latinLnBrk="0" hangingPunct="1">
+              <a:spcBef>
+                <a:spcPct val="20000"/>
+              </a:spcBef>
+              <a:spcAft>
+                <a:spcPts val="600"/>
+              </a:spcAft>
+              <a:buClr>
+                <a:schemeClr val="accent1">
+                  <a:lumMod val="75000"/>
+                </a:schemeClr>
+              </a:buClr>
+              <a:buSzPct val="145000"/>
+              <a:buFont typeface="Arial"/>
+              <a:buChar char="•"/>
+              <a:defRPr sz="1400" kern="1200" cap="none">
+                <a:solidFill>
+                  <a:schemeClr val="tx1"/>
+                </a:solidFill>
+                <a:effectLst/>
+                <a:latin typeface="+mn-lt"/>
+                <a:ea typeface="+mn-ea"/>
+                <a:cs typeface="+mn-cs"/>
+              </a:defRPr>
+            </a:lvl6pPr>
+            <a:lvl7pPr marL="2971800" indent="-228600" algn="l" defTabSz="457200" rtl="0" eaLnBrk="1" latinLnBrk="0" hangingPunct="1">
+              <a:spcBef>
+                <a:spcPct val="20000"/>
+              </a:spcBef>
+              <a:spcAft>
+                <a:spcPts val="600"/>
+              </a:spcAft>
+              <a:buClr>
+                <a:schemeClr val="accent1">
+                  <a:lumMod val="75000"/>
+                </a:schemeClr>
+              </a:buClr>
+              <a:buSzPct val="145000"/>
+              <a:buFont typeface="Arial"/>
+              <a:buChar char="•"/>
+              <a:defRPr sz="1400" kern="1200" cap="none">
+                <a:solidFill>
+                  <a:schemeClr val="tx1"/>
+                </a:solidFill>
+                <a:effectLst/>
+                <a:latin typeface="+mn-lt"/>
+                <a:ea typeface="+mn-ea"/>
+                <a:cs typeface="+mn-cs"/>
+              </a:defRPr>
+            </a:lvl7pPr>
+            <a:lvl8pPr marL="3429000" indent="-228600" algn="l" defTabSz="457200" rtl="0" eaLnBrk="1" latinLnBrk="0" hangingPunct="1">
+              <a:spcBef>
+                <a:spcPct val="20000"/>
+              </a:spcBef>
+              <a:spcAft>
+                <a:spcPts val="600"/>
+              </a:spcAft>
+              <a:buClr>
+                <a:schemeClr val="accent1">
+                  <a:lumMod val="75000"/>
+                </a:schemeClr>
+              </a:buClr>
+              <a:buSzPct val="145000"/>
+              <a:buFont typeface="Arial"/>
+              <a:buChar char="•"/>
+              <a:defRPr sz="1400" kern="1200" cap="none">
+                <a:solidFill>
+                  <a:schemeClr val="tx1"/>
+                </a:solidFill>
+                <a:effectLst/>
+                <a:latin typeface="+mn-lt"/>
+                <a:ea typeface="+mn-ea"/>
+                <a:cs typeface="+mn-cs"/>
+              </a:defRPr>
+            </a:lvl8pPr>
+            <a:lvl9pPr marL="3886200" indent="-228600" algn="l" defTabSz="457200" rtl="0" eaLnBrk="1" latinLnBrk="0" hangingPunct="1">
+              <a:spcBef>
+                <a:spcPct val="20000"/>
+              </a:spcBef>
+              <a:spcAft>
+                <a:spcPts val="600"/>
+              </a:spcAft>
+              <a:buClr>
+                <a:schemeClr val="accent1">
+                  <a:lumMod val="75000"/>
+                </a:schemeClr>
+              </a:buClr>
+              <a:buSzPct val="145000"/>
+              <a:buFont typeface="Arial"/>
+              <a:buChar char="•"/>
+              <a:defRPr sz="1400" kern="1200" cap="none">
+                <a:solidFill>
+                  <a:schemeClr val="tx1"/>
+                </a:solidFill>
+                <a:effectLst/>
+                <a:latin typeface="+mn-lt"/>
+                <a:ea typeface="+mn-ea"/>
+                <a:cs typeface="+mn-cs"/>
+              </a:defRPr>
+            </a:lvl9pPr>
+          </a:lstStyle>
+          <a:p>
+            <a:r>
+              <a:rPr lang="es-ES" dirty="0"/>
+              <a:t>Simulador de entorno empresarial</a:t>
+            </a:r>
+          </a:p>
+          <a:p>
+            <a:r>
+              <a:rPr lang="es-ES" dirty="0"/>
+              <a:t>Gran volumen facturas para estudio </a:t>
+            </a:r>
+          </a:p>
+          <a:p>
+            <a:r>
+              <a:rPr lang="es-ES" dirty="0"/>
+              <a:t>Análisis de situaciones futuras</a:t>
+            </a:r>
+          </a:p>
+          <a:p>
+            <a:r>
+              <a:rPr lang="es-ES" dirty="0"/>
+              <a:t>Arquitectura escalable</a:t>
+            </a:r>
+          </a:p>
+        </p:txBody>
+      </p:sp>
     </p:spTree>
     <p:extLst>
       <p:ext uri="{BB962C8B-B14F-4D97-AF65-F5344CB8AC3E}">
-        <p14:creationId xmlns:p14="http://schemas.microsoft.com/office/powerpoint/2010/main" val="3157086036"/>
+        <p14:creationId xmlns:p14="http://schemas.microsoft.com/office/powerpoint/2010/main" val="3997393747"/>
       </p:ext>
     </p:extLst>
   </p:cSld>
@@ -7990,88 +8161,157 @@
       </p:grpSpPr>
       <p:sp>
         <p:nvSpPr>
-          <p:cNvPr id="2" name="Título 1">
+          <p:cNvPr id="2" name="Título 1"/>
+          <p:cNvSpPr>
+            <a:spLocks noGrp="1"/>
+          </p:cNvSpPr>
+          <p:nvPr>
+            <p:ph type="title"/>
+          </p:nvPr>
+        </p:nvSpPr>
+        <p:spPr>
+          <a:xfrm>
+            <a:off x="1484309" y="0"/>
+            <a:ext cx="10018713" cy="1752599"/>
+          </a:xfrm>
+        </p:spPr>
+        <p:txBody>
+          <a:bodyPr/>
+          <a:lstStyle/>
+          <a:p>
+            <a:r>
+              <a:rPr lang="es-ES" dirty="0"/>
+              <a:t>Trabajo futuro</a:t>
+            </a:r>
+          </a:p>
+        </p:txBody>
+      </p:sp>
+      <p:sp>
+        <p:nvSpPr>
+          <p:cNvPr id="7" name="CuadroTexto 6">
             <a:extLst>
               <a:ext uri="{FF2B5EF4-FFF2-40B4-BE49-F238E27FC236}">
-                <a16:creationId xmlns:a16="http://schemas.microsoft.com/office/drawing/2014/main" id="{3E76536E-434B-4DB2-B0BD-7FD3496B4A94}"/>
+                <a16:creationId xmlns:a16="http://schemas.microsoft.com/office/drawing/2014/main" id="{3E435E0A-2C0B-40BD-AACB-81034790D583}"/>
               </a:ext>
             </a:extLst>
           </p:cNvPr>
-          <p:cNvSpPr>
-            <a:spLocks noGrp="1"/>
-          </p:cNvSpPr>
-          <p:nvPr>
-            <p:ph type="title"/>
-          </p:nvPr>
+          <p:cNvSpPr txBox="1"/>
+          <p:nvPr/>
         </p:nvSpPr>
         <p:spPr>
           <a:xfrm>
-            <a:off x="1492624" y="0"/>
-            <a:ext cx="10018713" cy="1752599"/>
-          </a:xfrm>
-        </p:spPr>
-        <p:txBody>
-          <a:bodyPr/>
-          <a:lstStyle/>
-          <a:p>
-            <a:r>
-              <a:rPr lang="es-ES" dirty="0"/>
-              <a:t>Aportaciones</a:t>
-            </a:r>
-          </a:p>
-        </p:txBody>
-      </p:sp>
-      <p:pic>
-        <p:nvPicPr>
-          <p:cNvPr id="25602" name="Picture 2" descr="Aportaciones de socios y su eventual reintegro | Blog Garrigues">
-            <a:extLst>
-              <a:ext uri="{FF2B5EF4-FFF2-40B4-BE49-F238E27FC236}">
-                <a16:creationId xmlns:a16="http://schemas.microsoft.com/office/drawing/2014/main" id="{78325EFF-94DD-4A24-8109-8B21DAE62A99}"/>
-              </a:ext>
-            </a:extLst>
-          </p:cNvPr>
-          <p:cNvPicPr>
-            <a:picLocks noChangeAspect="1" noChangeArrowheads="1"/>
-          </p:cNvPicPr>
-          <p:nvPr/>
-        </p:nvPicPr>
-        <p:blipFill>
-          <a:blip r:embed="rId2">
-            <a:extLst>
-              <a:ext uri="{28A0092B-C50C-407E-A947-70E740481C1C}">
-                <a14:useLocalDpi xmlns:a14="http://schemas.microsoft.com/office/drawing/2010/main" val="0"/>
-              </a:ext>
-            </a:extLst>
-          </a:blip>
-          <a:srcRect/>
-          <a:stretch>
-            <a:fillRect/>
-          </a:stretch>
-        </p:blipFill>
-        <p:spPr bwMode="auto">
-          <a:xfrm>
-            <a:off x="3657600" y="1566863"/>
-            <a:ext cx="5552902" cy="4240595"/>
+            <a:off x="4791878" y="2081643"/>
+            <a:ext cx="4849989" cy="2445862"/>
           </a:xfrm>
           <a:prstGeom prst="rect">
             <a:avLst/>
           </a:prstGeom>
           <a:noFill/>
-          <a:extLst>
-            <a:ext uri="{909E8E84-426E-40DD-AFC4-6F175D3DCCD1}">
-              <a14:hiddenFill xmlns:a14="http://schemas.microsoft.com/office/drawing/2010/main">
-                <a:solidFill>
-                  <a:srgbClr val="FFFFFF"/>
-                </a:solidFill>
-              </a14:hiddenFill>
-            </a:ext>
-          </a:extLst>
         </p:spPr>
-      </p:pic>
+        <p:txBody>
+          <a:bodyPr wrap="square">
+            <a:spAutoFit/>
+          </a:bodyPr>
+          <a:lstStyle/>
+          <a:p>
+            <a:pPr marL="342900" lvl="0" indent="-342900">
+              <a:lnSpc>
+                <a:spcPct val="107000"/>
+              </a:lnSpc>
+              <a:spcAft>
+                <a:spcPts val="0"/>
+              </a:spcAft>
+              <a:buClr>
+                <a:schemeClr val="accent1"/>
+              </a:buClr>
+              <a:buFont typeface="Symbol" panose="05050102010706020507" pitchFamily="18" charset="2"/>
+              <a:buChar char=""/>
+            </a:pPr>
+            <a:r>
+              <a:rPr lang="es-ES" sz="2400" dirty="0">
+                <a:effectLst/>
+                <a:ea typeface="Calibri" panose="020F0502020204030204" pitchFamily="34" charset="0"/>
+                <a:cs typeface="Arial" panose="020B0604020202020204" pitchFamily="34" charset="0"/>
+              </a:rPr>
+              <a:t>Inversiones</a:t>
+            </a:r>
+          </a:p>
+          <a:p>
+            <a:pPr marL="342900" lvl="0" indent="-342900">
+              <a:lnSpc>
+                <a:spcPct val="107000"/>
+              </a:lnSpc>
+              <a:spcAft>
+                <a:spcPts val="0"/>
+              </a:spcAft>
+              <a:buClr>
+                <a:schemeClr val="accent1"/>
+              </a:buClr>
+              <a:buFont typeface="Symbol" panose="05050102010706020507" pitchFamily="18" charset="2"/>
+              <a:buChar char=""/>
+            </a:pPr>
+            <a:r>
+              <a:rPr lang="es-ES" sz="2400" dirty="0">
+                <a:effectLst/>
+                <a:ea typeface="Calibri" panose="020F0502020204030204" pitchFamily="34" charset="0"/>
+                <a:cs typeface="Arial" panose="020B0604020202020204" pitchFamily="34" charset="0"/>
+              </a:rPr>
+              <a:t>Extensión a nuevos sectores</a:t>
+            </a:r>
+          </a:p>
+          <a:p>
+            <a:pPr marL="342900" lvl="0" indent="-342900">
+              <a:lnSpc>
+                <a:spcPct val="107000"/>
+              </a:lnSpc>
+              <a:spcAft>
+                <a:spcPts val="0"/>
+              </a:spcAft>
+              <a:buClr>
+                <a:schemeClr val="accent1"/>
+              </a:buClr>
+              <a:buFont typeface="Symbol" panose="05050102010706020507" pitchFamily="18" charset="2"/>
+              <a:buChar char=""/>
+            </a:pPr>
+            <a:r>
+              <a:rPr lang="es-ES" sz="2400" dirty="0">
+                <a:effectLst/>
+                <a:ea typeface="Calibri" panose="020F0502020204030204" pitchFamily="34" charset="0"/>
+                <a:cs typeface="Arial" panose="020B0604020202020204" pitchFamily="34" charset="0"/>
+              </a:rPr>
+              <a:t>Añadir más interacciones y factores</a:t>
+            </a:r>
+          </a:p>
+          <a:p>
+            <a:pPr marL="342900" lvl="0" indent="-342900">
+              <a:lnSpc>
+                <a:spcPct val="107000"/>
+              </a:lnSpc>
+              <a:spcAft>
+                <a:spcPts val="0"/>
+              </a:spcAft>
+              <a:buClr>
+                <a:schemeClr val="accent1"/>
+              </a:buClr>
+              <a:buFont typeface="Symbol" panose="05050102010706020507" pitchFamily="18" charset="2"/>
+              <a:buChar char=""/>
+            </a:pPr>
+            <a:r>
+              <a:rPr lang="es-ES" sz="2400" dirty="0">
+                <a:effectLst/>
+                <a:ea typeface="Calibri" panose="020F0502020204030204" pitchFamily="34" charset="0"/>
+                <a:cs typeface="Arial" panose="020B0604020202020204" pitchFamily="34" charset="0"/>
+              </a:rPr>
+              <a:t>Mejorar la comunicación Simulación-Usuario</a:t>
+            </a:r>
+            <a:endParaRPr lang="es-ES" sz="2400" dirty="0"/>
+          </a:p>
+        </p:txBody>
+      </p:sp>
     </p:spTree>
     <p:extLst>
       <p:ext uri="{BB962C8B-B14F-4D97-AF65-F5344CB8AC3E}">
-        <p14:creationId xmlns:p14="http://schemas.microsoft.com/office/powerpoint/2010/main" val="3997393747"/>
+        <p14:creationId xmlns:p14="http://schemas.microsoft.com/office/powerpoint/2010/main" val="1847160149"/>
       </p:ext>
     </p:extLst>
   </p:cSld>
@@ -8098,109 +8338,40 @@
           <a:chExt cx="0" cy="0"/>
         </a:xfrm>
       </p:grpSpPr>
-      <p:sp>
-        <p:nvSpPr>
-          <p:cNvPr id="2" name="Título 1"/>
-          <p:cNvSpPr>
-            <a:spLocks noGrp="1"/>
-          </p:cNvSpPr>
-          <p:nvPr>
-            <p:ph type="title"/>
-          </p:nvPr>
-        </p:nvSpPr>
-        <p:spPr>
-          <a:xfrm>
-            <a:off x="1484310" y="23792"/>
-            <a:ext cx="10018713" cy="1752599"/>
-          </a:xfrm>
-        </p:spPr>
-        <p:txBody>
-          <a:bodyPr/>
-          <a:lstStyle/>
-          <a:p>
-            <a:r>
-              <a:rPr lang="es-ES" dirty="0"/>
-              <a:t>Hacia la digitalización de las facturas</a:t>
-            </a:r>
-          </a:p>
-        </p:txBody>
-      </p:sp>
-      <p:sp>
-        <p:nvSpPr>
-          <p:cNvPr id="3" name="Marcador de contenido 2"/>
-          <p:cNvSpPr>
-            <a:spLocks noGrp="1"/>
-          </p:cNvSpPr>
-          <p:nvPr>
-            <p:ph idx="1"/>
-          </p:nvPr>
-        </p:nvSpPr>
-        <p:spPr/>
-        <p:txBody>
-          <a:bodyPr/>
-          <a:lstStyle/>
-          <a:p>
-            <a:pPr marL="0" indent="0">
-              <a:buNone/>
-            </a:pPr>
-            <a:r>
-              <a:rPr lang="es-ES" dirty="0"/>
-              <a:t> </a:t>
-            </a:r>
-          </a:p>
-        </p:txBody>
-      </p:sp>
       <p:pic>
         <p:nvPicPr>
-          <p:cNvPr id="1026" name="Picture 2" descr="Qué significa para nuestro negocio digitalizar una factura?">
+          <p:cNvPr id="3" name="Imagen 2">
             <a:extLst>
               <a:ext uri="{FF2B5EF4-FFF2-40B4-BE49-F238E27FC236}">
-                <a16:creationId xmlns:a16="http://schemas.microsoft.com/office/drawing/2014/main" id="{6F609F0A-B148-4469-B478-3BB29359A46D}"/>
+                <a16:creationId xmlns:a16="http://schemas.microsoft.com/office/drawing/2014/main" id="{81C76706-F49C-4159-B1C0-A50C20B34AB5}"/>
               </a:ext>
             </a:extLst>
           </p:cNvPr>
           <p:cNvPicPr>
-            <a:picLocks noChangeAspect="1" noChangeArrowheads="1"/>
+            <a:picLocks noChangeAspect="1"/>
           </p:cNvPicPr>
           <p:nvPr/>
         </p:nvPicPr>
         <p:blipFill>
-          <a:blip r:embed="rId2">
-            <a:extLst>
-              <a:ext uri="{28A0092B-C50C-407E-A947-70E740481C1C}">
-                <a14:useLocalDpi xmlns:a14="http://schemas.microsoft.com/office/drawing/2010/main" val="0"/>
-              </a:ext>
-            </a:extLst>
-          </a:blip>
-          <a:srcRect/>
+          <a:blip r:embed="rId2"/>
           <a:stretch>
             <a:fillRect/>
           </a:stretch>
         </p:blipFill>
-        <p:spPr bwMode="auto">
+        <p:spPr>
           <a:xfrm>
-            <a:off x="2997084" y="2128127"/>
-            <a:ext cx="6903374" cy="4706081"/>
+            <a:off x="1045026" y="252708"/>
+            <a:ext cx="10101948" cy="6352583"/>
           </a:xfrm>
           <a:prstGeom prst="rect">
             <a:avLst/>
           </a:prstGeom>
-          <a:noFill/>
-          <a:extLst>
-            <a:ext uri="{909E8E84-426E-40DD-AFC4-6F175D3DCCD1}">
-              <a14:hiddenFill xmlns:a14="http://schemas.microsoft.com/office/drawing/2010/main">
-                <a:solidFill>
-                  <a:srgbClr val="FFFFFF"/>
-                </a:solidFill>
-              </a14:hiddenFill>
-            </a:ext>
-          </a:extLst>
         </p:spPr>
       </p:pic>
     </p:spTree>
     <p:extLst>
       <p:ext uri="{BB962C8B-B14F-4D97-AF65-F5344CB8AC3E}">
-        <p14:creationId xmlns:p14="http://schemas.microsoft.com/office/powerpoint/2010/main" val="2381898626"/>
+        <p14:creationId xmlns:p14="http://schemas.microsoft.com/office/powerpoint/2010/main" val="2475053973"/>
       </p:ext>
     </p:extLst>
   </p:cSld>
@@ -8234,13 +8405,13 @@
             <a:spLocks noGrp="1"/>
           </p:cNvSpPr>
           <p:nvPr>
-            <p:ph type="title"/>
+            <p:ph type="ctrTitle"/>
           </p:nvPr>
         </p:nvSpPr>
         <p:spPr>
           <a:xfrm>
-            <a:off x="1484309" y="0"/>
-            <a:ext cx="10018713" cy="1752599"/>
+            <a:off x="858531" y="3046988"/>
+            <a:ext cx="8574622" cy="2616199"/>
           </a:xfrm>
         </p:spPr>
         <p:txBody>
@@ -8249,27 +8420,21 @@
           <a:p>
             <a:r>
               <a:rPr lang="es-ES" dirty="0"/>
-              <a:t>Trabajo futuro</a:t>
-            </a:r>
-          </a:p>
-        </p:txBody>
-      </p:sp>
-      <p:sp>
-        <p:nvSpPr>
-          <p:cNvPr id="7" name="CuadroTexto 6">
-            <a:extLst>
-              <a:ext uri="{FF2B5EF4-FFF2-40B4-BE49-F238E27FC236}">
-                <a16:creationId xmlns:a16="http://schemas.microsoft.com/office/drawing/2014/main" id="{3E435E0A-2C0B-40BD-AACB-81034790D583}"/>
-              </a:ext>
-            </a:extLst>
-          </p:cNvPr>
+              <a:t> </a:t>
+            </a:r>
+          </a:p>
+        </p:txBody>
+      </p:sp>
+      <p:sp>
+        <p:nvSpPr>
+          <p:cNvPr id="4" name="CuadroTexto 3"/>
           <p:cNvSpPr txBox="1"/>
           <p:nvPr/>
         </p:nvSpPr>
         <p:spPr>
           <a:xfrm>
-            <a:off x="1417806" y="1948640"/>
-            <a:ext cx="4849989" cy="2445862"/>
+            <a:off x="2427316" y="216130"/>
+            <a:ext cx="9573491" cy="3539430"/>
           </a:xfrm>
           <a:prstGeom prst="rect">
             <a:avLst/>
@@ -8277,121 +8442,49 @@
           <a:noFill/>
         </p:spPr>
         <p:txBody>
-          <a:bodyPr wrap="square">
+          <a:bodyPr wrap="square" rtlCol="0">
             <a:spAutoFit/>
           </a:bodyPr>
           <a:lstStyle/>
           <a:p>
-            <a:pPr marL="342900" lvl="0" indent="-342900">
-              <a:lnSpc>
-                <a:spcPct val="107000"/>
-              </a:lnSpc>
-              <a:spcAft>
-                <a:spcPts val="0"/>
-              </a:spcAft>
-              <a:buClr>
-                <a:schemeClr val="accent1"/>
-              </a:buClr>
-              <a:buFont typeface="Symbol" panose="05050102010706020507" pitchFamily="18" charset="2"/>
-              <a:buChar char=""/>
-            </a:pPr>
-            <a:r>
-              <a:rPr lang="es-ES" sz="2400" dirty="0">
-                <a:effectLst/>
-                <a:latin typeface="Calibri" panose="020F0502020204030204" pitchFamily="34" charset="0"/>
-                <a:ea typeface="Calibri" panose="020F0502020204030204" pitchFamily="34" charset="0"/>
-                <a:cs typeface="Arial" panose="020B0604020202020204" pitchFamily="34" charset="0"/>
-              </a:rPr>
-              <a:t>Inversiones</a:t>
-            </a:r>
-          </a:p>
-          <a:p>
-            <a:pPr marL="342900" lvl="0" indent="-342900">
-              <a:lnSpc>
-                <a:spcPct val="107000"/>
-              </a:lnSpc>
-              <a:spcAft>
-                <a:spcPts val="0"/>
-              </a:spcAft>
-              <a:buClr>
-                <a:schemeClr val="accent1"/>
-              </a:buClr>
-              <a:buFont typeface="Symbol" panose="05050102010706020507" pitchFamily="18" charset="2"/>
-              <a:buChar char=""/>
-            </a:pPr>
-            <a:r>
-              <a:rPr lang="es-ES" sz="2400" dirty="0">
-                <a:effectLst/>
-                <a:latin typeface="Calibri" panose="020F0502020204030204" pitchFamily="34" charset="0"/>
-                <a:ea typeface="Calibri" panose="020F0502020204030204" pitchFamily="34" charset="0"/>
-                <a:cs typeface="Arial" panose="020B0604020202020204" pitchFamily="34" charset="0"/>
-              </a:rPr>
-              <a:t>Extensión a nuevos sectores</a:t>
-            </a:r>
-          </a:p>
-          <a:p>
-            <a:pPr marL="342900" lvl="0" indent="-342900">
-              <a:lnSpc>
-                <a:spcPct val="107000"/>
-              </a:lnSpc>
-              <a:spcAft>
-                <a:spcPts val="0"/>
-              </a:spcAft>
-              <a:buClr>
-                <a:schemeClr val="accent1"/>
-              </a:buClr>
-              <a:buFont typeface="Symbol" panose="05050102010706020507" pitchFamily="18" charset="2"/>
-              <a:buChar char=""/>
-            </a:pPr>
-            <a:r>
-              <a:rPr lang="es-ES" sz="2400" dirty="0">
-                <a:effectLst/>
-                <a:latin typeface="Calibri" panose="020F0502020204030204" pitchFamily="34" charset="0"/>
-                <a:ea typeface="Calibri" panose="020F0502020204030204" pitchFamily="34" charset="0"/>
-                <a:cs typeface="Arial" panose="020B0604020202020204" pitchFamily="34" charset="0"/>
-              </a:rPr>
-              <a:t>Añadir más interacciones y factores</a:t>
-            </a:r>
-          </a:p>
-          <a:p>
-            <a:pPr marL="342900" lvl="0" indent="-342900">
-              <a:lnSpc>
-                <a:spcPct val="107000"/>
-              </a:lnSpc>
-              <a:spcAft>
-                <a:spcPts val="0"/>
-              </a:spcAft>
-              <a:buClr>
-                <a:schemeClr val="accent1"/>
-              </a:buClr>
-              <a:buFont typeface="Symbol" panose="05050102010706020507" pitchFamily="18" charset="2"/>
-              <a:buChar char=""/>
-            </a:pPr>
-            <a:r>
-              <a:rPr lang="es-ES" sz="2400" dirty="0">
-                <a:effectLst/>
-                <a:latin typeface="Calibri" panose="020F0502020204030204" pitchFamily="34" charset="0"/>
-                <a:ea typeface="Calibri" panose="020F0502020204030204" pitchFamily="34" charset="0"/>
-                <a:cs typeface="Arial" panose="020B0604020202020204" pitchFamily="34" charset="0"/>
-              </a:rPr>
-              <a:t>Mejorar la comunicación Simulación-Usuario</a:t>
-            </a:r>
-            <a:endParaRPr lang="es-ES" sz="2400" dirty="0"/>
+            <a:r>
+              <a:rPr lang="es-ES" sz="4800" b="1" dirty="0"/>
+              <a:t>Generador sintético de datos para una aplicación de Fintech: ‘Finbook’</a:t>
+            </a:r>
+          </a:p>
+          <a:p>
+            <a:r>
+              <a:rPr lang="es-ES" sz="3200" dirty="0"/>
+              <a:t>Julio de 2020</a:t>
+            </a:r>
+          </a:p>
+          <a:p>
+            <a:endParaRPr lang="es-ES" sz="3200" dirty="0"/>
+          </a:p>
+          <a:p>
+            <a:r>
+              <a:rPr lang="es-ES" sz="3200" dirty="0"/>
+              <a:t>Alumno: Juan Alberto Ureña Rodríguez</a:t>
+            </a:r>
+          </a:p>
+          <a:p>
+            <a:r>
+              <a:rPr lang="es-ES" sz="3200" dirty="0"/>
+              <a:t>Tutor: José Juan Hernández Cabrera</a:t>
+            </a:r>
           </a:p>
         </p:txBody>
       </p:sp>
       <p:pic>
         <p:nvPicPr>
-          <p:cNvPr id="26626" name="Picture 2" descr="Las 5 tendencias del trabajo del futuro - Dir&amp;Ge | Directivos y ...">
+          <p:cNvPr id="5" name="Imagen 4" descr="Dónde estamos? | Web de la Escuela de Ingeniería Informática de la ...">
             <a:extLst>
               <a:ext uri="{FF2B5EF4-FFF2-40B4-BE49-F238E27FC236}">
-                <a16:creationId xmlns:a16="http://schemas.microsoft.com/office/drawing/2014/main" id="{7E10A5C2-7575-4B0C-A4CB-5D514D5853A5}"/>
+                <a16:creationId xmlns:a16="http://schemas.microsoft.com/office/drawing/2014/main" id="{62F3F31A-A4AF-4C4C-ADE8-4F0C77A7BACA}"/>
               </a:ext>
             </a:extLst>
           </p:cNvPr>
-          <p:cNvPicPr>
-            <a:picLocks noChangeAspect="1" noChangeArrowheads="1"/>
-          </p:cNvPicPr>
+          <p:cNvPicPr/>
           <p:nvPr/>
         </p:nvPicPr>
         <p:blipFill>
@@ -8409,218 +8502,22 @@
         </p:blipFill>
         <p:spPr bwMode="auto">
           <a:xfrm>
-            <a:off x="6391310" y="1948641"/>
-            <a:ext cx="5381592" cy="3587728"/>
+            <a:off x="6263871" y="5272953"/>
+            <a:ext cx="5400040" cy="1133475"/>
           </a:xfrm>
           <a:prstGeom prst="rect">
             <a:avLst/>
           </a:prstGeom>
           <a:noFill/>
-          <a:extLst>
-            <a:ext uri="{909E8E84-426E-40DD-AFC4-6F175D3DCCD1}">
-              <a14:hiddenFill xmlns:a14="http://schemas.microsoft.com/office/drawing/2010/main">
-                <a:solidFill>
-                  <a:srgbClr val="FFFFFF"/>
-                </a:solidFill>
-              </a14:hiddenFill>
-            </a:ext>
-          </a:extLst>
+          <a:ln>
+            <a:noFill/>
+          </a:ln>
         </p:spPr>
       </p:pic>
     </p:spTree>
     <p:extLst>
       <p:ext uri="{BB962C8B-B14F-4D97-AF65-F5344CB8AC3E}">
-        <p14:creationId xmlns:p14="http://schemas.microsoft.com/office/powerpoint/2010/main" val="1847160149"/>
-      </p:ext>
-    </p:extLst>
-  </p:cSld>
-  <p:clrMapOvr>
-    <a:masterClrMapping/>
-  </p:clrMapOvr>
-</p:sld>
-</file>
-
-<file path=ppt/slides/slide21.xml><?xml version="1.0" encoding="utf-8"?>
-<p:sld xmlns:a="http://schemas.openxmlformats.org/drawingml/2006/main" xmlns:r="http://schemas.openxmlformats.org/officeDocument/2006/relationships" xmlns:p="http://schemas.openxmlformats.org/presentationml/2006/main">
-  <p:cSld>
-    <p:spTree>
-      <p:nvGrpSpPr>
-        <p:cNvPr id="1" name=""/>
-        <p:cNvGrpSpPr/>
-        <p:nvPr/>
-      </p:nvGrpSpPr>
-      <p:grpSpPr>
-        <a:xfrm>
-          <a:off x="0" y="0"/>
-          <a:ext cx="0" cy="0"/>
-          <a:chOff x="0" y="0"/>
-          <a:chExt cx="0" cy="0"/>
-        </a:xfrm>
-      </p:grpSpPr>
-      <p:pic>
-        <p:nvPicPr>
-          <p:cNvPr id="13314" name="Picture 2" descr="signo interrogación - Buscar con Google | Imagenes para ...">
-            <a:extLst>
-              <a:ext uri="{FF2B5EF4-FFF2-40B4-BE49-F238E27FC236}">
-                <a16:creationId xmlns:a16="http://schemas.microsoft.com/office/drawing/2014/main" id="{9DBEC523-0B11-4F02-A79B-067A7F82C6BF}"/>
-              </a:ext>
-            </a:extLst>
-          </p:cNvPr>
-          <p:cNvPicPr>
-            <a:picLocks noChangeAspect="1" noChangeArrowheads="1"/>
-          </p:cNvPicPr>
-          <p:nvPr/>
-        </p:nvPicPr>
-        <p:blipFill>
-          <a:blip r:embed="rId2">
-            <a:extLst>
-              <a:ext uri="{28A0092B-C50C-407E-A947-70E740481C1C}">
-                <a14:useLocalDpi xmlns:a14="http://schemas.microsoft.com/office/drawing/2010/main" val="0"/>
-              </a:ext>
-            </a:extLst>
-          </a:blip>
-          <a:srcRect/>
-          <a:stretch>
-            <a:fillRect/>
-          </a:stretch>
-        </p:blipFill>
-        <p:spPr bwMode="auto">
-          <a:xfrm>
-            <a:off x="4733925" y="1674582"/>
-            <a:ext cx="2724150" cy="3990975"/>
-          </a:xfrm>
-          <a:prstGeom prst="rect">
-            <a:avLst/>
-          </a:prstGeom>
-          <a:noFill/>
-          <a:extLst>
-            <a:ext uri="{909E8E84-426E-40DD-AFC4-6F175D3DCCD1}">
-              <a14:hiddenFill xmlns:a14="http://schemas.microsoft.com/office/drawing/2010/main">
-                <a:solidFill>
-                  <a:srgbClr val="FFFFFF"/>
-                </a:solidFill>
-              </a14:hiddenFill>
-            </a:ext>
-          </a:extLst>
-        </p:spPr>
-      </p:pic>
-      <p:sp>
-        <p:nvSpPr>
-          <p:cNvPr id="7" name="Título 1">
-            <a:extLst>
-              <a:ext uri="{FF2B5EF4-FFF2-40B4-BE49-F238E27FC236}">
-                <a16:creationId xmlns:a16="http://schemas.microsoft.com/office/drawing/2014/main" id="{F0CFFBEF-59D4-48E5-8830-0E6581A40355}"/>
-              </a:ext>
-            </a:extLst>
-          </p:cNvPr>
-          <p:cNvSpPr txBox="1">
-            <a:spLocks/>
-          </p:cNvSpPr>
-          <p:nvPr/>
-        </p:nvSpPr>
-        <p:spPr>
-          <a:xfrm>
-            <a:off x="1086643" y="-560156"/>
-            <a:ext cx="10018713" cy="1752599"/>
-          </a:xfrm>
-          <a:prstGeom prst="rect">
-            <a:avLst/>
-          </a:prstGeom>
-          <a:effectLst/>
-        </p:spPr>
-        <p:txBody>
-          <a:bodyPr vert="horz" lIns="91440" tIns="45720" rIns="91440" bIns="45720" rtlCol="0" anchor="b">
-            <a:normAutofit/>
-          </a:bodyPr>
-          <a:lstStyle>
-            <a:lvl1pPr algn="r" defTabSz="457200" rtl="0" eaLnBrk="1" latinLnBrk="0" hangingPunct="1">
-              <a:spcBef>
-                <a:spcPct val="0"/>
-              </a:spcBef>
-              <a:buNone/>
-              <a:defRPr sz="6000" kern="1200" cap="none">
-                <a:ln w="3175" cmpd="sng">
-                  <a:noFill/>
-                </a:ln>
-                <a:solidFill>
-                  <a:schemeClr val="tx1"/>
-                </a:solidFill>
-                <a:effectLst/>
-                <a:latin typeface="+mj-lt"/>
-                <a:ea typeface="+mj-ea"/>
-                <a:cs typeface="+mj-cs"/>
-              </a:defRPr>
-            </a:lvl1pPr>
-            <a:lvl2pPr eaLnBrk="1" hangingPunct="1">
-              <a:defRPr>
-                <a:solidFill>
-                  <a:schemeClr val="tx2"/>
-                </a:solidFill>
-              </a:defRPr>
-            </a:lvl2pPr>
-            <a:lvl3pPr eaLnBrk="1" hangingPunct="1">
-              <a:defRPr>
-                <a:solidFill>
-                  <a:schemeClr val="tx2"/>
-                </a:solidFill>
-              </a:defRPr>
-            </a:lvl3pPr>
-            <a:lvl4pPr eaLnBrk="1" hangingPunct="1">
-              <a:defRPr>
-                <a:solidFill>
-                  <a:schemeClr val="tx2"/>
-                </a:solidFill>
-              </a:defRPr>
-            </a:lvl4pPr>
-            <a:lvl5pPr eaLnBrk="1" hangingPunct="1">
-              <a:defRPr>
-                <a:solidFill>
-                  <a:schemeClr val="tx2"/>
-                </a:solidFill>
-              </a:defRPr>
-            </a:lvl5pPr>
-            <a:lvl6pPr eaLnBrk="1" hangingPunct="1">
-              <a:defRPr>
-                <a:solidFill>
-                  <a:schemeClr val="tx2"/>
-                </a:solidFill>
-              </a:defRPr>
-            </a:lvl6pPr>
-            <a:lvl7pPr eaLnBrk="1" hangingPunct="1">
-              <a:defRPr>
-                <a:solidFill>
-                  <a:schemeClr val="tx2"/>
-                </a:solidFill>
-              </a:defRPr>
-            </a:lvl7pPr>
-            <a:lvl8pPr eaLnBrk="1" hangingPunct="1">
-              <a:defRPr>
-                <a:solidFill>
-                  <a:schemeClr val="tx2"/>
-                </a:solidFill>
-              </a:defRPr>
-            </a:lvl8pPr>
-            <a:lvl9pPr eaLnBrk="1" hangingPunct="1">
-              <a:defRPr>
-                <a:solidFill>
-                  <a:schemeClr val="tx2"/>
-                </a:solidFill>
-              </a:defRPr>
-            </a:lvl9pPr>
-          </a:lstStyle>
-          <a:p>
-            <a:pPr algn="ctr"/>
-            <a:r>
-              <a:rPr lang="es-ES" sz="4000" b="1" dirty="0"/>
-              <a:t>Preguntas y Aclaraciones</a:t>
-            </a:r>
-          </a:p>
-        </p:txBody>
-      </p:sp>
-    </p:spTree>
-    <p:extLst>
-      <p:ext uri="{BB962C8B-B14F-4D97-AF65-F5344CB8AC3E}">
-        <p14:creationId xmlns:p14="http://schemas.microsoft.com/office/powerpoint/2010/main" val="3466622487"/>
+        <p14:creationId xmlns:p14="http://schemas.microsoft.com/office/powerpoint/2010/main" val="4162327283"/>
       </p:ext>
     </p:extLst>
   </p:cSld>
@@ -8649,37 +8546,35 @@
       </p:grpSpPr>
       <p:sp>
         <p:nvSpPr>
-          <p:cNvPr id="2" name="Título 1"/>
-          <p:cNvSpPr>
-            <a:spLocks noGrp="1"/>
-          </p:cNvSpPr>
-          <p:nvPr>
-            <p:ph type="title"/>
-          </p:nvPr>
-        </p:nvSpPr>
-        <p:spPr>
-          <a:xfrm>
-            <a:off x="1559126" y="0"/>
-            <a:ext cx="10018713" cy="1752599"/>
-          </a:xfrm>
-        </p:spPr>
+          <p:cNvPr id="3" name="Marcador de contenido 2"/>
+          <p:cNvSpPr>
+            <a:spLocks noGrp="1"/>
+          </p:cNvSpPr>
+          <p:nvPr>
+            <p:ph idx="1"/>
+          </p:nvPr>
+        </p:nvSpPr>
+        <p:spPr/>
         <p:txBody>
           <a:bodyPr/>
           <a:lstStyle/>
           <a:p>
+            <a:pPr marL="0" indent="0">
+              <a:buNone/>
+            </a:pPr>
             <a:r>
               <a:rPr lang="es-ES" dirty="0"/>
-              <a:t>Liquidación automatizada del IVA</a:t>
+              <a:t> </a:t>
             </a:r>
           </a:p>
         </p:txBody>
       </p:sp>
       <p:pic>
         <p:nvPicPr>
-          <p:cNvPr id="2050" name="Picture 2" descr="Impuesto al valor añadido (IVA) - Qué es, definición y concepto ...">
+          <p:cNvPr id="1026" name="Picture 2" descr="Qué significa para nuestro negocio digitalizar una factura?">
             <a:extLst>
               <a:ext uri="{FF2B5EF4-FFF2-40B4-BE49-F238E27FC236}">
-                <a16:creationId xmlns:a16="http://schemas.microsoft.com/office/drawing/2014/main" id="{D7D4513B-96C6-4FFA-A0E1-1E887185389E}"/>
+                <a16:creationId xmlns:a16="http://schemas.microsoft.com/office/drawing/2014/main" id="{6F609F0A-B148-4469-B478-3BB29359A46D}"/>
               </a:ext>
             </a:extLst>
           </p:cNvPr>
@@ -8691,6 +8586,64 @@
         <p:blipFill>
           <a:blip r:embed="rId2">
             <a:extLst>
+              <a:ext uri="{BEBA8EAE-BF5A-486C-A8C5-ECC9F3942E4B}">
+                <a14:imgProps xmlns:a14="http://schemas.microsoft.com/office/drawing/2010/main">
+                  <a14:imgLayer r:embed="rId3">
+                    <a14:imgEffect>
+                      <a14:backgroundRemoval t="1789" b="97496" l="10000" r="90000">
+                        <a14:foregroundMark x1="39512" y1="16279" x2="34634" y2="22361"/>
+                        <a14:foregroundMark x1="34634" y1="22361" x2="28415" y2="38283"/>
+                        <a14:foregroundMark x1="28415" y1="38283" x2="26220" y2="53667"/>
+                        <a14:foregroundMark x1="35122" y1="63506" x2="45976" y2="73703"/>
+                        <a14:foregroundMark x1="45976" y1="73703" x2="40122" y2="69410"/>
+                        <a14:foregroundMark x1="40122" y1="69410" x2="45854" y2="73524"/>
+                        <a14:foregroundMark x1="45854" y1="73524" x2="47561" y2="59750"/>
+                        <a14:foregroundMark x1="47561" y1="59750" x2="45976" y2="72093"/>
+                        <a14:foregroundMark x1="45976" y1="72093" x2="44756" y2="62970"/>
+                        <a14:foregroundMark x1="44756" y1="62970" x2="37927" y2="70125"/>
+                        <a14:foregroundMark x1="37927" y1="70125" x2="34512" y2="62433"/>
+                        <a14:foregroundMark x1="34512" y1="62433" x2="41829" y2="65116"/>
+                        <a14:foregroundMark x1="41829" y1="65116" x2="43415" y2="66369"/>
+                        <a14:foregroundMark x1="26463" y1="49553" x2="30488" y2="32021"/>
+                        <a14:foregroundMark x1="30488" y1="32021" x2="31341" y2="30769"/>
+                        <a14:foregroundMark x1="26585" y1="48658" x2="26707" y2="47227"/>
+                        <a14:foregroundMark x1="30366" y1="29517" x2="28293" y2="38283"/>
+                        <a14:foregroundMark x1="28293" y1="38283" x2="29512" y2="32916"/>
+                        <a14:foregroundMark x1="49878" y1="60644" x2="59024" y2="36136"/>
+                        <a14:foregroundMark x1="59024" y1="36136" x2="63659" y2="29875"/>
+                        <a14:foregroundMark x1="63659" y1="29875" x2="58780" y2="24329"/>
+                        <a14:foregroundMark x1="58780" y1="24329" x2="42561" y2="16100"/>
+                        <a14:foregroundMark x1="58902" y1="35957" x2="55000" y2="43470"/>
+                        <a14:foregroundMark x1="55000" y1="43470" x2="50244" y2="58497"/>
+                        <a14:foregroundMark x1="26098" y1="51342" x2="29268" y2="33631"/>
+                        <a14:foregroundMark x1="29268" y1="33631" x2="35000" y2="22361"/>
+                        <a14:foregroundMark x1="26341" y1="51699" x2="29512" y2="34168"/>
+                        <a14:foregroundMark x1="29512" y1="34168" x2="33537" y2="23971"/>
+                        <a14:foregroundMark x1="37805" y1="1789" x2="60732" y2="10197"/>
+                        <a14:foregroundMark x1="17683" y1="61002" x2="41220" y2="92308"/>
+                        <a14:foregroundMark x1="41220" y1="92308" x2="42068" y2="92917"/>
+                        <a14:foregroundMark x1="46951" y1="96422" x2="50122" y2="93918"/>
+                        <a14:backgroundMark x1="49390" y1="63148" x2="51585" y2="55456"/>
+                        <a14:backgroundMark x1="41341" y1="93918" x2="46829" y2="99821"/>
+                        <a14:backgroundMark x1="55610" y1="85689" x2="60000" y2="80143"/>
+                        <a14:backgroundMark x1="60000" y1="76386" x2="65366" y2="71020"/>
+                        <a14:backgroundMark x1="65366" y1="71020" x2="69390" y2="64043"/>
+                        <a14:backgroundMark x1="69390" y1="64043" x2="73171" y2="46154"/>
+                        <a14:backgroundMark x1="73171" y1="46154" x2="77195" y2="39356"/>
+                        <a14:backgroundMark x1="77195" y1="39356" x2="83171" y2="42039"/>
+                        <a14:backgroundMark x1="83171" y1="42039" x2="87683" y2="49016"/>
+                        <a14:backgroundMark x1="87683" y1="49016" x2="89878" y2="58676"/>
+                        <a14:backgroundMark x1="89878" y1="58676" x2="88415" y2="67979"/>
+                        <a14:backgroundMark x1="88415" y1="67979" x2="84390" y2="75313"/>
+                        <a14:backgroundMark x1="84390" y1="75313" x2="78537" y2="80859"/>
+                        <a14:backgroundMark x1="78537" y1="80859" x2="70732" y2="83363"/>
+                        <a14:backgroundMark x1="70732" y1="83363" x2="64024" y2="82826"/>
+                        <a14:backgroundMark x1="64024" y1="82826" x2="62195" y2="76029"/>
+                      </a14:backgroundRemoval>
+                    </a14:imgEffect>
+                  </a14:imgLayer>
+                </a14:imgProps>
+              </a:ext>
               <a:ext uri="{28A0092B-C50C-407E-A947-70E740481C1C}">
                 <a14:useLocalDpi xmlns:a14="http://schemas.microsoft.com/office/drawing/2010/main" val="0"/>
               </a:ext>
@@ -8703,8 +8656,8 @@
         </p:blipFill>
         <p:spPr bwMode="auto">
           <a:xfrm>
-            <a:off x="2733847" y="2266255"/>
-            <a:ext cx="6917228" cy="4150337"/>
+            <a:off x="2742774" y="881149"/>
+            <a:ext cx="7706597" cy="5253644"/>
           </a:xfrm>
           <a:prstGeom prst="rect">
             <a:avLst/>
@@ -8724,7 +8677,7 @@
     </p:spTree>
     <p:extLst>
       <p:ext uri="{BB962C8B-B14F-4D97-AF65-F5344CB8AC3E}">
-        <p14:creationId xmlns:p14="http://schemas.microsoft.com/office/powerpoint/2010/main" val="2475053973"/>
+        <p14:creationId xmlns:p14="http://schemas.microsoft.com/office/powerpoint/2010/main" val="2381898626"/>
       </p:ext>
     </p:extLst>
   </p:cSld>
@@ -8753,46 +8706,22 @@
       </p:grpSpPr>
       <p:sp>
         <p:nvSpPr>
-          <p:cNvPr id="2" name="Título 1"/>
-          <p:cNvSpPr>
-            <a:spLocks noGrp="1"/>
-          </p:cNvSpPr>
-          <p:nvPr>
-            <p:ph type="title"/>
-          </p:nvPr>
-        </p:nvSpPr>
-        <p:spPr>
-          <a:xfrm>
-            <a:off x="1617315" y="0"/>
-            <a:ext cx="10018713" cy="1752599"/>
-          </a:xfrm>
-        </p:spPr>
+          <p:cNvPr id="3" name="Marcador de contenido 2"/>
+          <p:cNvSpPr>
+            <a:spLocks noGrp="1"/>
+          </p:cNvSpPr>
+          <p:nvPr>
+            <p:ph idx="1"/>
+          </p:nvPr>
+        </p:nvSpPr>
+        <p:spPr/>
         <p:txBody>
           <a:bodyPr/>
           <a:lstStyle/>
           <a:p>
-            <a:r>
-              <a:rPr lang="es-ES" dirty="0"/>
-              <a:t>Índice/Contenido</a:t>
-            </a:r>
-          </a:p>
-        </p:txBody>
-      </p:sp>
-      <p:sp>
-        <p:nvSpPr>
-          <p:cNvPr id="3" name="Marcador de contenido 2"/>
-          <p:cNvSpPr>
-            <a:spLocks noGrp="1"/>
-          </p:cNvSpPr>
-          <p:nvPr>
-            <p:ph idx="1"/>
-          </p:nvPr>
-        </p:nvSpPr>
-        <p:spPr/>
-        <p:txBody>
-          <a:bodyPr/>
-          <a:lstStyle/>
-          <a:p>
+            <a:pPr marL="0" indent="0">
+              <a:buNone/>
+            </a:pPr>
             <a:r>
               <a:rPr lang="es-ES" dirty="0"/>
               <a:t> </a:t>
@@ -8800,10 +8729,57 @@
           </a:p>
         </p:txBody>
       </p:sp>
+      <p:pic>
+        <p:nvPicPr>
+          <p:cNvPr id="1026" name="Picture 2">
+            <a:extLst>
+              <a:ext uri="{FF2B5EF4-FFF2-40B4-BE49-F238E27FC236}">
+                <a16:creationId xmlns:a16="http://schemas.microsoft.com/office/drawing/2014/main" id="{6BD92EC6-A603-45AC-AD98-17C225012F1E}"/>
+              </a:ext>
+            </a:extLst>
+          </p:cNvPr>
+          <p:cNvPicPr>
+            <a:picLocks noChangeAspect="1" noChangeArrowheads="1"/>
+          </p:cNvPicPr>
+          <p:nvPr/>
+        </p:nvPicPr>
+        <p:blipFill>
+          <a:blip r:embed="rId2">
+            <a:extLst>
+              <a:ext uri="{28A0092B-C50C-407E-A947-70E740481C1C}">
+                <a14:useLocalDpi xmlns:a14="http://schemas.microsoft.com/office/drawing/2010/main" val="0"/>
+              </a:ext>
+            </a:extLst>
+          </a:blip>
+          <a:srcRect/>
+          <a:stretch>
+            <a:fillRect/>
+          </a:stretch>
+        </p:blipFill>
+        <p:spPr bwMode="auto">
+          <a:xfrm>
+            <a:off x="1845425" y="356024"/>
+            <a:ext cx="10122131" cy="5493365"/>
+          </a:xfrm>
+          <a:prstGeom prst="rect">
+            <a:avLst/>
+          </a:prstGeom>
+          <a:noFill/>
+          <a:extLst>
+            <a:ext uri="{909E8E84-426E-40DD-AFC4-6F175D3DCCD1}">
+              <a14:hiddenFill xmlns:a14="http://schemas.microsoft.com/office/drawing/2010/main">
+                <a:solidFill>
+                  <a:srgbClr val="FFFFFF"/>
+                </a:solidFill>
+              </a14:hiddenFill>
+            </a:ext>
+          </a:extLst>
+        </p:spPr>
+      </p:pic>
     </p:spTree>
     <p:extLst>
       <p:ext uri="{BB962C8B-B14F-4D97-AF65-F5344CB8AC3E}">
-        <p14:creationId xmlns:p14="http://schemas.microsoft.com/office/powerpoint/2010/main" val="2137951973"/>
+        <p14:creationId xmlns:p14="http://schemas.microsoft.com/office/powerpoint/2010/main" val="4230763799"/>
       </p:ext>
     </p:extLst>
   </p:cSld>
@@ -8832,389 +8808,35 @@
       </p:grpSpPr>
       <p:sp>
         <p:nvSpPr>
-          <p:cNvPr id="2" name="Título 1">
+          <p:cNvPr id="3" name="Marcador de contenido 2"/>
+          <p:cNvSpPr>
+            <a:spLocks noGrp="1"/>
+          </p:cNvSpPr>
+          <p:nvPr>
+            <p:ph idx="1"/>
+          </p:nvPr>
+        </p:nvSpPr>
+        <p:spPr/>
+        <p:txBody>
+          <a:bodyPr/>
+          <a:lstStyle/>
+          <a:p>
+            <a:pPr marL="0" indent="0">
+              <a:buNone/>
+            </a:pPr>
+            <a:r>
+              <a:rPr lang="es-ES" dirty="0"/>
+              <a:t> </a:t>
+            </a:r>
+          </a:p>
+        </p:txBody>
+      </p:sp>
+      <p:pic>
+        <p:nvPicPr>
+          <p:cNvPr id="2050" name="Picture 2" descr="Fintech app: la tecnología que está cambiando el paradigma bancario">
             <a:extLst>
               <a:ext uri="{FF2B5EF4-FFF2-40B4-BE49-F238E27FC236}">
-                <a16:creationId xmlns:a16="http://schemas.microsoft.com/office/drawing/2014/main" id="{CB26F727-2099-4BE6-A6DA-8E5ED21CBE36}"/>
-              </a:ext>
-            </a:extLst>
-          </p:cNvPr>
-          <p:cNvSpPr>
-            <a:spLocks noGrp="1"/>
-          </p:cNvSpPr>
-          <p:nvPr>
-            <p:ph type="title"/>
-          </p:nvPr>
-        </p:nvSpPr>
-        <p:spPr>
-          <a:xfrm>
-            <a:off x="1584063" y="0"/>
-            <a:ext cx="10018713" cy="1752599"/>
-          </a:xfrm>
-        </p:spPr>
-        <p:txBody>
-          <a:bodyPr/>
-          <a:lstStyle/>
-          <a:p>
-            <a:r>
-              <a:rPr lang="es-ES" dirty="0"/>
-              <a:t>La Factura</a:t>
-            </a:r>
-          </a:p>
-        </p:txBody>
-      </p:sp>
-      <p:sp>
-        <p:nvSpPr>
-          <p:cNvPr id="4" name="CuadroTexto 3">
-            <a:extLst>
-              <a:ext uri="{FF2B5EF4-FFF2-40B4-BE49-F238E27FC236}">
-                <a16:creationId xmlns:a16="http://schemas.microsoft.com/office/drawing/2014/main" id="{31CE094D-CF35-4F17-B5C7-009BEB87614A}"/>
-              </a:ext>
-            </a:extLst>
-          </p:cNvPr>
-          <p:cNvSpPr txBox="1"/>
-          <p:nvPr/>
-        </p:nvSpPr>
-        <p:spPr>
-          <a:xfrm>
-            <a:off x="1584063" y="1752599"/>
-            <a:ext cx="4432761" cy="3635547"/>
-          </a:xfrm>
-          <a:prstGeom prst="rect">
-            <a:avLst/>
-          </a:prstGeom>
-          <a:noFill/>
-        </p:spPr>
-        <p:txBody>
-          <a:bodyPr wrap="square">
-            <a:spAutoFit/>
-          </a:bodyPr>
-          <a:lstStyle/>
-          <a:p>
-            <a:pPr marL="342900" lvl="0" indent="-342900" algn="just">
-              <a:lnSpc>
-                <a:spcPct val="107000"/>
-              </a:lnSpc>
-              <a:spcAft>
-                <a:spcPts val="0"/>
-              </a:spcAft>
-              <a:buClr>
-                <a:schemeClr val="accent1"/>
-              </a:buClr>
-              <a:buSzPts val="1200"/>
-              <a:buFont typeface="Symbol" panose="05050102010706020507" pitchFamily="18" charset="2"/>
-              <a:buChar char=""/>
-            </a:pPr>
-            <a:r>
-              <a:rPr lang="es-ES" sz="1800" dirty="0">
-                <a:effectLst/>
-                <a:latin typeface="Calibri" panose="020F0502020204030204" pitchFamily="34" charset="0"/>
-                <a:ea typeface="Calibri" panose="020F0502020204030204" pitchFamily="34" charset="0"/>
-                <a:cs typeface="Arial" panose="020B0604020202020204" pitchFamily="34" charset="0"/>
-              </a:rPr>
-              <a:t>Número</a:t>
-            </a:r>
-          </a:p>
-          <a:p>
-            <a:pPr marL="342900" lvl="0" indent="-342900" algn="just">
-              <a:lnSpc>
-                <a:spcPct val="107000"/>
-              </a:lnSpc>
-              <a:spcAft>
-                <a:spcPts val="0"/>
-              </a:spcAft>
-              <a:buClr>
-                <a:schemeClr val="accent1"/>
-              </a:buClr>
-              <a:buSzPts val="1200"/>
-              <a:buFont typeface="Symbol" panose="05050102010706020507" pitchFamily="18" charset="2"/>
-              <a:buChar char=""/>
-            </a:pPr>
-            <a:r>
-              <a:rPr lang="es-ES" sz="1800" dirty="0">
-                <a:effectLst/>
-                <a:latin typeface="Calibri" panose="020F0502020204030204" pitchFamily="34" charset="0"/>
-                <a:ea typeface="Calibri" panose="020F0502020204030204" pitchFamily="34" charset="0"/>
-                <a:cs typeface="Arial" panose="020B0604020202020204" pitchFamily="34" charset="0"/>
-              </a:rPr>
-              <a:t>Fecha de su expedición</a:t>
-            </a:r>
-            <a:endParaRPr lang="es-ES" sz="1600" dirty="0">
-              <a:effectLst/>
-              <a:latin typeface="Calibri" panose="020F0502020204030204" pitchFamily="34" charset="0"/>
-              <a:ea typeface="Calibri" panose="020F0502020204030204" pitchFamily="34" charset="0"/>
-              <a:cs typeface="Arial" panose="020B0604020202020204" pitchFamily="34" charset="0"/>
-            </a:endParaRPr>
-          </a:p>
-          <a:p>
-            <a:pPr marL="342900" lvl="0" indent="-342900" algn="just">
-              <a:lnSpc>
-                <a:spcPct val="107000"/>
-              </a:lnSpc>
-              <a:spcAft>
-                <a:spcPts val="0"/>
-              </a:spcAft>
-              <a:buClr>
-                <a:schemeClr val="accent1"/>
-              </a:buClr>
-              <a:buSzPts val="1200"/>
-              <a:buFont typeface="Symbol" panose="05050102010706020507" pitchFamily="18" charset="2"/>
-              <a:buChar char=""/>
-            </a:pPr>
-            <a:r>
-              <a:rPr lang="es-ES" sz="1800" dirty="0">
-                <a:effectLst/>
-                <a:latin typeface="Calibri" panose="020F0502020204030204" pitchFamily="34" charset="0"/>
-                <a:ea typeface="Calibri" panose="020F0502020204030204" pitchFamily="34" charset="0"/>
-                <a:cs typeface="Arial" panose="020B0604020202020204" pitchFamily="34" charset="0"/>
-              </a:rPr>
-              <a:t>Fecha de realización</a:t>
-            </a:r>
-            <a:endParaRPr lang="es-ES" sz="1600" dirty="0">
-              <a:effectLst/>
-              <a:latin typeface="Calibri" panose="020F0502020204030204" pitchFamily="34" charset="0"/>
-              <a:ea typeface="Calibri" panose="020F0502020204030204" pitchFamily="34" charset="0"/>
-              <a:cs typeface="Arial" panose="020B0604020202020204" pitchFamily="34" charset="0"/>
-            </a:endParaRPr>
-          </a:p>
-          <a:p>
-            <a:pPr marL="342900" lvl="0" indent="-342900" algn="just">
-              <a:lnSpc>
-                <a:spcPct val="107000"/>
-              </a:lnSpc>
-              <a:spcAft>
-                <a:spcPts val="0"/>
-              </a:spcAft>
-              <a:buClr>
-                <a:schemeClr val="accent1"/>
-              </a:buClr>
-              <a:buSzPts val="1200"/>
-              <a:buFont typeface="Symbol" panose="05050102010706020507" pitchFamily="18" charset="2"/>
-              <a:buChar char=""/>
-            </a:pPr>
-            <a:r>
-              <a:rPr lang="es-ES" sz="1800" dirty="0">
-                <a:effectLst/>
-                <a:latin typeface="Calibri" panose="020F0502020204030204" pitchFamily="34" charset="0"/>
-                <a:ea typeface="Calibri" panose="020F0502020204030204" pitchFamily="34" charset="0"/>
-                <a:cs typeface="Arial" panose="020B0604020202020204" pitchFamily="34" charset="0"/>
-              </a:rPr>
-              <a:t>NIF, nombre y apellidos</a:t>
-            </a:r>
-            <a:endParaRPr lang="es-ES" sz="1600" dirty="0">
-              <a:effectLst/>
-              <a:latin typeface="Calibri" panose="020F0502020204030204" pitchFamily="34" charset="0"/>
-              <a:ea typeface="Calibri" panose="020F0502020204030204" pitchFamily="34" charset="0"/>
-              <a:cs typeface="Arial" panose="020B0604020202020204" pitchFamily="34" charset="0"/>
-            </a:endParaRPr>
-          </a:p>
-          <a:p>
-            <a:pPr marL="342900" lvl="0" indent="-342900" algn="just">
-              <a:lnSpc>
-                <a:spcPct val="107000"/>
-              </a:lnSpc>
-              <a:spcAft>
-                <a:spcPts val="0"/>
-              </a:spcAft>
-              <a:buClr>
-                <a:schemeClr val="accent1"/>
-              </a:buClr>
-              <a:buSzPts val="1200"/>
-              <a:buFont typeface="Symbol" panose="05050102010706020507" pitchFamily="18" charset="2"/>
-              <a:buChar char=""/>
-            </a:pPr>
-            <a:r>
-              <a:rPr lang="es-ES" sz="1800" dirty="0">
-                <a:effectLst/>
-                <a:latin typeface="Calibri" panose="020F0502020204030204" pitchFamily="34" charset="0"/>
-                <a:ea typeface="Calibri" panose="020F0502020204030204" pitchFamily="34" charset="0"/>
-                <a:cs typeface="Arial" panose="020B0604020202020204" pitchFamily="34" charset="0"/>
-              </a:rPr>
-              <a:t>Domicilio</a:t>
-            </a:r>
-            <a:endParaRPr lang="es-ES" sz="1600" dirty="0">
-              <a:effectLst/>
-              <a:latin typeface="Calibri" panose="020F0502020204030204" pitchFamily="34" charset="0"/>
-              <a:ea typeface="Calibri" panose="020F0502020204030204" pitchFamily="34" charset="0"/>
-              <a:cs typeface="Arial" panose="020B0604020202020204" pitchFamily="34" charset="0"/>
-            </a:endParaRPr>
-          </a:p>
-          <a:p>
-            <a:pPr marL="342900" lvl="0" indent="-342900" algn="just">
-              <a:lnSpc>
-                <a:spcPct val="107000"/>
-              </a:lnSpc>
-              <a:spcAft>
-                <a:spcPts val="0"/>
-              </a:spcAft>
-              <a:buClr>
-                <a:schemeClr val="accent1"/>
-              </a:buClr>
-              <a:buSzPts val="1200"/>
-              <a:buFont typeface="Symbol" panose="05050102010706020507" pitchFamily="18" charset="2"/>
-              <a:buChar char=""/>
-            </a:pPr>
-            <a:r>
-              <a:rPr lang="es-ES" sz="1800" dirty="0">
-                <a:effectLst/>
-                <a:latin typeface="Calibri" panose="020F0502020204030204" pitchFamily="34" charset="0"/>
-                <a:ea typeface="Calibri" panose="020F0502020204030204" pitchFamily="34" charset="0"/>
-                <a:cs typeface="Arial" panose="020B0604020202020204" pitchFamily="34" charset="0"/>
-              </a:rPr>
-              <a:t>Descripción.</a:t>
-            </a:r>
-            <a:endParaRPr lang="es-ES" sz="1600" dirty="0">
-              <a:effectLst/>
-              <a:latin typeface="Calibri" panose="020F0502020204030204" pitchFamily="34" charset="0"/>
-              <a:ea typeface="Calibri" panose="020F0502020204030204" pitchFamily="34" charset="0"/>
-              <a:cs typeface="Arial" panose="020B0604020202020204" pitchFamily="34" charset="0"/>
-            </a:endParaRPr>
-          </a:p>
-          <a:p>
-            <a:pPr marL="342900" lvl="0" indent="-342900" algn="just">
-              <a:lnSpc>
-                <a:spcPct val="107000"/>
-              </a:lnSpc>
-              <a:spcAft>
-                <a:spcPts val="0"/>
-              </a:spcAft>
-              <a:buClr>
-                <a:schemeClr val="accent1"/>
-              </a:buClr>
-              <a:buSzPts val="1200"/>
-              <a:buFont typeface="Symbol" panose="05050102010706020507" pitchFamily="18" charset="2"/>
-              <a:buChar char=""/>
-            </a:pPr>
-            <a:r>
-              <a:rPr lang="es-ES" sz="1800" dirty="0">
-                <a:effectLst/>
-                <a:latin typeface="Calibri" panose="020F0502020204030204" pitchFamily="34" charset="0"/>
-                <a:ea typeface="Calibri" panose="020F0502020204030204" pitchFamily="34" charset="0"/>
-                <a:cs typeface="Arial" panose="020B0604020202020204" pitchFamily="34" charset="0"/>
-              </a:rPr>
-              <a:t>Tipos impositivos</a:t>
-            </a:r>
-          </a:p>
-          <a:p>
-            <a:pPr marL="342900" lvl="0" indent="-342900" algn="just">
-              <a:lnSpc>
-                <a:spcPct val="107000"/>
-              </a:lnSpc>
-              <a:spcAft>
-                <a:spcPts val="0"/>
-              </a:spcAft>
-              <a:buClr>
-                <a:schemeClr val="accent1"/>
-              </a:buClr>
-              <a:buSzPts val="1200"/>
-              <a:buFont typeface="Symbol" panose="05050102010706020507" pitchFamily="18" charset="2"/>
-              <a:buChar char=""/>
-            </a:pPr>
-            <a:r>
-              <a:rPr lang="es-ES" sz="1800" dirty="0">
-                <a:effectLst/>
-                <a:latin typeface="Calibri" panose="020F0502020204030204" pitchFamily="34" charset="0"/>
-                <a:ea typeface="Calibri" panose="020F0502020204030204" pitchFamily="34" charset="0"/>
-                <a:cs typeface="Arial" panose="020B0604020202020204" pitchFamily="34" charset="0"/>
-              </a:rPr>
-              <a:t>Cuota tributaria</a:t>
-            </a:r>
-          </a:p>
-          <a:p>
-            <a:pPr marL="342900" lvl="0" indent="-342900" algn="just">
-              <a:lnSpc>
-                <a:spcPct val="107000"/>
-              </a:lnSpc>
-              <a:spcAft>
-                <a:spcPts val="0"/>
-              </a:spcAft>
-              <a:buClr>
-                <a:schemeClr val="accent1"/>
-              </a:buClr>
-              <a:buSzPts val="1200"/>
-              <a:buFont typeface="Symbol" panose="05050102010706020507" pitchFamily="18" charset="2"/>
-              <a:buChar char=""/>
-            </a:pPr>
-            <a:r>
-              <a:rPr lang="es-ES" sz="1800" dirty="0">
-                <a:effectLst/>
-                <a:latin typeface="Calibri" panose="020F0502020204030204" pitchFamily="34" charset="0"/>
-                <a:ea typeface="Calibri" panose="020F0502020204030204" pitchFamily="34" charset="0"/>
-                <a:cs typeface="Arial" panose="020B0604020202020204" pitchFamily="34" charset="0"/>
-              </a:rPr>
-              <a:t>Moneda</a:t>
-            </a:r>
-            <a:endParaRPr lang="es-ES" sz="1600" dirty="0">
-              <a:effectLst/>
-              <a:latin typeface="Calibri" panose="020F0502020204030204" pitchFamily="34" charset="0"/>
-              <a:ea typeface="Calibri" panose="020F0502020204030204" pitchFamily="34" charset="0"/>
-              <a:cs typeface="Arial" panose="020B0604020202020204" pitchFamily="34" charset="0"/>
-            </a:endParaRPr>
-          </a:p>
-          <a:p>
-            <a:pPr marL="342900" lvl="0" indent="-342900" algn="just">
-              <a:lnSpc>
-                <a:spcPct val="107000"/>
-              </a:lnSpc>
-              <a:spcAft>
-                <a:spcPts val="0"/>
-              </a:spcAft>
-              <a:buClr>
-                <a:schemeClr val="accent1"/>
-              </a:buClr>
-              <a:buSzPts val="1200"/>
-              <a:buFont typeface="Symbol" panose="05050102010706020507" pitchFamily="18" charset="2"/>
-              <a:buChar char=""/>
-            </a:pPr>
-            <a:r>
-              <a:rPr lang="es-ES" sz="1800" dirty="0">
-                <a:effectLst/>
-                <a:latin typeface="Calibri" panose="020F0502020204030204" pitchFamily="34" charset="0"/>
-                <a:ea typeface="Calibri" panose="020F0502020204030204" pitchFamily="34" charset="0"/>
-                <a:cs typeface="Arial" panose="020B0604020202020204" pitchFamily="34" charset="0"/>
-              </a:rPr>
-              <a:t>Lengua</a:t>
-            </a:r>
-          </a:p>
-          <a:p>
-            <a:pPr marL="342900" lvl="0" indent="-342900" algn="just">
-              <a:lnSpc>
-                <a:spcPct val="107000"/>
-              </a:lnSpc>
-              <a:spcAft>
-                <a:spcPts val="800"/>
-              </a:spcAft>
-              <a:buClr>
-                <a:schemeClr val="accent1"/>
-              </a:buClr>
-              <a:buSzPts val="1200"/>
-              <a:buFont typeface="Symbol" panose="05050102010706020507" pitchFamily="18" charset="2"/>
-              <a:buChar char=""/>
-            </a:pPr>
-            <a:r>
-              <a:rPr lang="es-ES" sz="1800" dirty="0">
-                <a:effectLst/>
-                <a:latin typeface="Calibri" panose="020F0502020204030204" pitchFamily="34" charset="0"/>
-                <a:ea typeface="Calibri" panose="020F0502020204030204" pitchFamily="34" charset="0"/>
-                <a:cs typeface="Arial" panose="020B0604020202020204" pitchFamily="34" charset="0"/>
-              </a:rPr>
-              <a:t>Medios de expedición, papel o formato electrónico</a:t>
-            </a:r>
-            <a:endParaRPr lang="es-ES" sz="1600" dirty="0">
-              <a:effectLst/>
-              <a:latin typeface="Calibri" panose="020F0502020204030204" pitchFamily="34" charset="0"/>
-              <a:ea typeface="Calibri" panose="020F0502020204030204" pitchFamily="34" charset="0"/>
-              <a:cs typeface="Arial" panose="020B0604020202020204" pitchFamily="34" charset="0"/>
-            </a:endParaRPr>
-          </a:p>
-        </p:txBody>
-      </p:sp>
-      <p:pic>
-        <p:nvPicPr>
-          <p:cNvPr id="5122" name="Picture 2" descr="Cómo hacer una factura completa » MuyPymes">
-            <a:extLst>
-              <a:ext uri="{FF2B5EF4-FFF2-40B4-BE49-F238E27FC236}">
-                <a16:creationId xmlns:a16="http://schemas.microsoft.com/office/drawing/2014/main" id="{B736AC29-D511-44A8-BC0E-C5574B69F0BF}"/>
+                <a16:creationId xmlns:a16="http://schemas.microsoft.com/office/drawing/2014/main" id="{87422F39-FEDE-429D-A704-F3E3EFD9C228}"/>
               </a:ext>
             </a:extLst>
           </p:cNvPr>
@@ -9238,8 +8860,8 @@
         </p:blipFill>
         <p:spPr bwMode="auto">
           <a:xfrm>
-            <a:off x="6175178" y="1752599"/>
-            <a:ext cx="5940830" cy="3341717"/>
+            <a:off x="1650943" y="1871662"/>
+            <a:ext cx="10153650" cy="3114675"/>
           </a:xfrm>
           <a:prstGeom prst="rect">
             <a:avLst/>
@@ -9259,7 +8881,7 @@
     </p:spTree>
     <p:extLst>
       <p:ext uri="{BB962C8B-B14F-4D97-AF65-F5344CB8AC3E}">
-        <p14:creationId xmlns:p14="http://schemas.microsoft.com/office/powerpoint/2010/main" val="2914982526"/>
+        <p14:creationId xmlns:p14="http://schemas.microsoft.com/office/powerpoint/2010/main" val="81023986"/>
       </p:ext>
     </p:extLst>
   </p:cSld>
@@ -9288,154 +8910,67 @@
       </p:grpSpPr>
       <p:sp>
         <p:nvSpPr>
-          <p:cNvPr id="2" name="Título 1"/>
-          <p:cNvSpPr>
-            <a:spLocks noGrp="1"/>
-          </p:cNvSpPr>
-          <p:nvPr>
-            <p:ph type="title"/>
-          </p:nvPr>
-        </p:nvSpPr>
-        <p:spPr>
-          <a:xfrm>
-            <a:off x="1484310" y="0"/>
-            <a:ext cx="10018713" cy="1752599"/>
-          </a:xfrm>
-        </p:spPr>
-        <p:txBody>
-          <a:bodyPr/>
-          <a:lstStyle/>
-          <a:p>
-            <a:r>
-              <a:rPr lang="es-ES" dirty="0"/>
-              <a:t>La factura electrónica en México</a:t>
-            </a:r>
-          </a:p>
-        </p:txBody>
-      </p:sp>
-      <p:sp>
-        <p:nvSpPr>
-          <p:cNvPr id="3" name="Marcador de contenido 2"/>
-          <p:cNvSpPr>
-            <a:spLocks noGrp="1"/>
-          </p:cNvSpPr>
-          <p:nvPr>
-            <p:ph idx="1"/>
-          </p:nvPr>
-        </p:nvSpPr>
-        <p:spPr/>
-        <p:txBody>
-          <a:bodyPr/>
-          <a:lstStyle/>
-          <a:p>
-            <a:pPr marL="0" indent="0">
-              <a:buNone/>
-            </a:pPr>
-            <a:r>
-              <a:rPr lang="es-ES" dirty="0"/>
-              <a:t> </a:t>
-            </a:r>
-          </a:p>
-        </p:txBody>
-      </p:sp>
-      <p:pic>
-        <p:nvPicPr>
-          <p:cNvPr id="3074" name="Picture 2" descr="Proscai Blog - Lo que debes saber sobre CFDI 3.3">
+          <p:cNvPr id="3" name="CuadroTexto 2">
             <a:extLst>
               <a:ext uri="{FF2B5EF4-FFF2-40B4-BE49-F238E27FC236}">
-                <a16:creationId xmlns:a16="http://schemas.microsoft.com/office/drawing/2014/main" id="{CD1375DB-6A00-40FA-814C-CFCD5FCDFE0E}"/>
+                <a16:creationId xmlns:a16="http://schemas.microsoft.com/office/drawing/2014/main" id="{DC2656A2-7E92-489E-AC67-2B2E55560517}"/>
               </a:ext>
             </a:extLst>
           </p:cNvPr>
-          <p:cNvPicPr>
-            <a:picLocks noChangeAspect="1" noChangeArrowheads="1"/>
-          </p:cNvPicPr>
+          <p:cNvSpPr txBox="1"/>
           <p:nvPr/>
-        </p:nvPicPr>
-        <p:blipFill>
-          <a:blip r:embed="rId2">
-            <a:extLst>
-              <a:ext uri="{28A0092B-C50C-407E-A947-70E740481C1C}">
-                <a14:useLocalDpi xmlns:a14="http://schemas.microsoft.com/office/drawing/2010/main" val="0"/>
-              </a:ext>
-            </a:extLst>
-          </a:blip>
-          <a:srcRect/>
-          <a:stretch>
-            <a:fillRect/>
-          </a:stretch>
-        </p:blipFill>
-        <p:spPr bwMode="auto">
+        </p:nvSpPr>
+        <p:spPr>
           <a:xfrm>
-            <a:off x="2319252" y="2477192"/>
-            <a:ext cx="4624646" cy="3332003"/>
+            <a:off x="4824755" y="2228671"/>
+            <a:ext cx="3221446" cy="1754326"/>
           </a:xfrm>
           <a:prstGeom prst="rect">
             <a:avLst/>
           </a:prstGeom>
           <a:noFill/>
-          <a:extLst>
-            <a:ext uri="{909E8E84-426E-40DD-AFC4-6F175D3DCCD1}">
-              <a14:hiddenFill xmlns:a14="http://schemas.microsoft.com/office/drawing/2010/main">
-                <a:solidFill>
-                  <a:srgbClr val="FFFFFF"/>
-                </a:solidFill>
-              </a14:hiddenFill>
-            </a:ext>
-          </a:extLst>
         </p:spPr>
-      </p:pic>
-      <p:pic>
-        <p:nvPicPr>
-          <p:cNvPr id="4098" name="Picture 2">
-            <a:extLst>
-              <a:ext uri="{FF2B5EF4-FFF2-40B4-BE49-F238E27FC236}">
-                <a16:creationId xmlns:a16="http://schemas.microsoft.com/office/drawing/2014/main" id="{6A7338E9-BA49-442A-A1FB-6C9EBB1746EC}"/>
-              </a:ext>
-            </a:extLst>
-          </p:cNvPr>
-          <p:cNvPicPr>
-            <a:picLocks noChangeAspect="1" noChangeArrowheads="1"/>
-          </p:cNvPicPr>
-          <p:nvPr/>
-        </p:nvPicPr>
-        <p:blipFill>
-          <a:blip r:embed="rId3">
-            <a:extLst>
-              <a:ext uri="{28A0092B-C50C-407E-A947-70E740481C1C}">
-                <a14:useLocalDpi xmlns:a14="http://schemas.microsoft.com/office/drawing/2010/main" val="0"/>
-              </a:ext>
-            </a:extLst>
-          </a:blip>
-          <a:srcRect/>
-          <a:stretch>
-            <a:fillRect/>
-          </a:stretch>
-        </p:blipFill>
-        <p:spPr bwMode="auto">
-          <a:xfrm>
-            <a:off x="7399483" y="2477193"/>
-            <a:ext cx="4368287" cy="3334736"/>
-          </a:xfrm>
-          <a:prstGeom prst="rect">
-            <a:avLst/>
-          </a:prstGeom>
-          <a:noFill/>
-          <a:extLst>
-            <a:ext uri="{909E8E84-426E-40DD-AFC4-6F175D3DCCD1}">
-              <a14:hiddenFill xmlns:a14="http://schemas.microsoft.com/office/drawing/2010/main">
-                <a:solidFill>
-                  <a:srgbClr val="FFFFFF"/>
-                </a:solidFill>
-              </a14:hiddenFill>
-            </a:ext>
-          </a:extLst>
-        </p:spPr>
-      </p:pic>
+        <p:txBody>
+          <a:bodyPr wrap="square" rtlCol="0">
+            <a:spAutoFit/>
+          </a:bodyPr>
+          <a:lstStyle/>
+          <a:p>
+            <a:pPr algn="ctr">
+              <a:buClr>
+                <a:schemeClr val="accent1"/>
+              </a:buClr>
+            </a:pPr>
+            <a:r>
+              <a:rPr lang="en-US" sz="3600" dirty="0"/>
+              <a:t>Big Data</a:t>
+            </a:r>
+          </a:p>
+          <a:p>
+            <a:pPr algn="ctr">
+              <a:buClr>
+                <a:schemeClr val="accent1"/>
+              </a:buClr>
+            </a:pPr>
+            <a:endParaRPr lang="en-US" sz="3600" dirty="0"/>
+          </a:p>
+          <a:p>
+            <a:pPr algn="ctr">
+              <a:buClr>
+                <a:schemeClr val="accent1"/>
+              </a:buClr>
+            </a:pPr>
+            <a:r>
+              <a:rPr lang="es-ES" sz="3600" dirty="0"/>
+              <a:t>Simulación</a:t>
+            </a:r>
+          </a:p>
+        </p:txBody>
+      </p:sp>
     </p:spTree>
     <p:extLst>
       <p:ext uri="{BB962C8B-B14F-4D97-AF65-F5344CB8AC3E}">
-        <p14:creationId xmlns:p14="http://schemas.microsoft.com/office/powerpoint/2010/main" val="4230763799"/>
+        <p14:creationId xmlns:p14="http://schemas.microsoft.com/office/powerpoint/2010/main" val="4183670027"/>
       </p:ext>
     </p:extLst>
   </p:cSld>
@@ -9464,7 +8999,13 @@
       </p:grpSpPr>
       <p:sp>
         <p:nvSpPr>
-          <p:cNvPr id="2" name="Título 1"/>
+          <p:cNvPr id="2" name="Título 1">
+            <a:extLst>
+              <a:ext uri="{FF2B5EF4-FFF2-40B4-BE49-F238E27FC236}">
+                <a16:creationId xmlns:a16="http://schemas.microsoft.com/office/drawing/2014/main" id="{114B91BA-9277-43FD-8ECF-3484B9819248}"/>
+              </a:ext>
+            </a:extLst>
+          </p:cNvPr>
           <p:cNvSpPr>
             <a:spLocks noGrp="1"/>
           </p:cNvSpPr>
@@ -9474,7 +9015,7 @@
         </p:nvSpPr>
         <p:spPr>
           <a:xfrm>
-            <a:off x="1484310" y="0"/>
+            <a:off x="1484311" y="0"/>
             <a:ext cx="10018713" cy="1752599"/>
           </a:xfrm>
         </p:spPr>
@@ -9484,42 +9025,91 @@
           <a:p>
             <a:r>
               <a:rPr lang="es-ES" dirty="0"/>
-              <a:t>¿Qué es una aplicación ‘Fintech?</a:t>
-            </a:r>
-          </a:p>
-        </p:txBody>
-      </p:sp>
-      <p:sp>
-        <p:nvSpPr>
-          <p:cNvPr id="3" name="Marcador de contenido 2"/>
-          <p:cNvSpPr>
-            <a:spLocks noGrp="1"/>
-          </p:cNvSpPr>
-          <p:nvPr>
-            <p:ph idx="1"/>
-          </p:nvPr>
-        </p:nvSpPr>
-        <p:spPr/>
-        <p:txBody>
-          <a:bodyPr/>
+              <a:t>Objetivos Iniciales</a:t>
+            </a:r>
+          </a:p>
+        </p:txBody>
+      </p:sp>
+      <p:sp>
+        <p:nvSpPr>
+          <p:cNvPr id="3" name="CuadroTexto 2">
+            <a:extLst>
+              <a:ext uri="{FF2B5EF4-FFF2-40B4-BE49-F238E27FC236}">
+                <a16:creationId xmlns:a16="http://schemas.microsoft.com/office/drawing/2014/main" id="{137BF21D-3046-4FF2-A7A0-9E00A36D5EEF}"/>
+              </a:ext>
+            </a:extLst>
+          </p:cNvPr>
+          <p:cNvSpPr txBox="1"/>
+          <p:nvPr/>
+        </p:nvSpPr>
+        <p:spPr>
+          <a:xfrm>
+            <a:off x="1862051" y="2344189"/>
+            <a:ext cx="2610196" cy="1815882"/>
+          </a:xfrm>
+          <a:prstGeom prst="rect">
+            <a:avLst/>
+          </a:prstGeom>
+          <a:noFill/>
+        </p:spPr>
+        <p:txBody>
+          <a:bodyPr wrap="square" rtlCol="0">
+            <a:spAutoFit/>
+          </a:bodyPr>
           <a:lstStyle/>
           <a:p>
-            <a:pPr marL="0" indent="0">
-              <a:buNone/>
+            <a:r>
+              <a:rPr lang="es-ES" sz="2800" dirty="0"/>
+              <a:t>Ciclo Iterativo:</a:t>
+            </a:r>
+          </a:p>
+          <a:p>
+            <a:pPr marL="285750" indent="-285750">
+              <a:buClr>
+                <a:schemeClr val="accent1"/>
+              </a:buClr>
+              <a:buFont typeface="Arial" panose="020B0604020202020204" pitchFamily="34" charset="0"/>
+              <a:buChar char="•"/>
             </a:pPr>
             <a:r>
-              <a:rPr lang="es-ES" dirty="0"/>
-              <a:t> </a:t>
+              <a:rPr lang="es-ES" sz="2800" dirty="0"/>
+              <a:t>Modelación</a:t>
+            </a:r>
+          </a:p>
+          <a:p>
+            <a:pPr marL="285750" indent="-285750">
+              <a:buClr>
+                <a:schemeClr val="accent1"/>
+              </a:buClr>
+              <a:buFont typeface="Arial" panose="020B0604020202020204" pitchFamily="34" charset="0"/>
+              <a:buChar char="•"/>
+            </a:pPr>
+            <a:r>
+              <a:rPr lang="es-ES" sz="2800" dirty="0"/>
+              <a:t>Simulación</a:t>
+            </a:r>
+          </a:p>
+          <a:p>
+            <a:pPr marL="285750" indent="-285750">
+              <a:buClr>
+                <a:schemeClr val="accent1"/>
+              </a:buClr>
+              <a:buFont typeface="Arial" panose="020B0604020202020204" pitchFamily="34" charset="0"/>
+              <a:buChar char="•"/>
+            </a:pPr>
+            <a:r>
+              <a:rPr lang="es-ES" sz="2800" dirty="0"/>
+              <a:t>Validación</a:t>
             </a:r>
           </a:p>
         </p:txBody>
       </p:sp>
       <p:pic>
         <p:nvPicPr>
-          <p:cNvPr id="6146" name="Picture 2" descr="Pueden las Fintech liderar la innovación después del COVID-19 ...">
+          <p:cNvPr id="8194" name="Picture 2" descr="Iteración: Imágenes, fotos de stock y vectores | Shutterstock">
             <a:extLst>
               <a:ext uri="{FF2B5EF4-FFF2-40B4-BE49-F238E27FC236}">
-                <a16:creationId xmlns:a16="http://schemas.microsoft.com/office/drawing/2014/main" id="{9326C5BD-0D74-40BA-A257-F975257685D0}"/>
+                <a16:creationId xmlns:a16="http://schemas.microsoft.com/office/drawing/2014/main" id="{409122D9-E1CE-41A6-AEFE-B93EF8E0253E}"/>
               </a:ext>
             </a:extLst>
           </p:cNvPr>
@@ -9531,6 +9121,174 @@
         <p:blipFill>
           <a:blip r:embed="rId2">
             <a:extLst>
+              <a:ext uri="{BEBA8EAE-BF5A-486C-A8C5-ECC9F3942E4B}">
+                <a14:imgProps xmlns:a14="http://schemas.microsoft.com/office/drawing/2010/main">
+                  <a14:imgLayer r:embed="rId3">
+                    <a14:imgEffect>
+                      <a14:backgroundRemoval t="10000" b="90000" l="5246" r="97377">
+                        <a14:foregroundMark x1="7049" y1="76429" x2="53279" y2="78571"/>
+                        <a14:foregroundMark x1="53279" y1="78571" x2="68197" y2="77500"/>
+                        <a14:foregroundMark x1="68197" y1="77500" x2="83443" y2="78214"/>
+                        <a14:foregroundMark x1="83443" y1="78214" x2="90820" y2="77500"/>
+                        <a14:foregroundMark x1="90820" y1="77500" x2="95574" y2="46429"/>
+                        <a14:foregroundMark x1="95574" y1="46429" x2="93607" y2="30357"/>
+                        <a14:foregroundMark x1="93607" y1="30357" x2="89344" y2="17143"/>
+                        <a14:foregroundMark x1="89344" y1="17143" x2="74590" y2="12143"/>
+                        <a14:foregroundMark x1="74590" y1="12143" x2="69016" y2="22857"/>
+                        <a14:foregroundMark x1="69016" y1="22857" x2="61639" y2="24286"/>
+                        <a14:foregroundMark x1="61639" y1="24286" x2="55574" y2="14643"/>
+                        <a14:foregroundMark x1="55574" y1="14643" x2="48033" y2="11429"/>
+                        <a14:foregroundMark x1="48033" y1="11429" x2="40820" y2="17143"/>
+                        <a14:foregroundMark x1="40820" y1="17143" x2="36066" y2="30000"/>
+                        <a14:foregroundMark x1="36066" y1="30000" x2="22459" y2="12500"/>
+                        <a14:foregroundMark x1="22459" y1="12500" x2="14754" y2="13929"/>
+                        <a14:foregroundMark x1="14754" y1="13929" x2="8361" y2="21786"/>
+                        <a14:foregroundMark x1="8361" y1="21786" x2="5246" y2="37500"/>
+                        <a14:foregroundMark x1="5246" y1="37500" x2="7213" y2="76071"/>
+                        <a14:foregroundMark x1="19672" y1="17857" x2="26885" y2="22857"/>
+                        <a14:foregroundMark x1="26885" y1="22857" x2="32459" y2="33214"/>
+                        <a14:foregroundMark x1="32459" y1="33214" x2="35574" y2="47857"/>
+                        <a14:foregroundMark x1="35574" y1="47857" x2="33607" y2="63929"/>
+                        <a14:foregroundMark x1="33607" y1="63929" x2="27541" y2="73571"/>
+                        <a14:foregroundMark x1="27541" y1="73571" x2="20164" y2="77143"/>
+                        <a14:foregroundMark x1="20164" y1="77143" x2="12787" y2="72857"/>
+                        <a14:foregroundMark x1="12787" y1="72857" x2="5574" y2="43214"/>
+                        <a14:foregroundMark x1="5574" y1="43214" x2="10328" y2="30000"/>
+                        <a14:foregroundMark x1="10328" y1="30000" x2="17049" y2="22500"/>
+                        <a14:foregroundMark x1="17049" y1="22500" x2="18525" y2="17857"/>
+                        <a14:foregroundMark x1="19672" y1="53571" x2="15246" y2="40000"/>
+                        <a14:foregroundMark x1="15246" y1="40000" x2="22295" y2="33929"/>
+                        <a14:foregroundMark x1="22295" y1="33929" x2="28689" y2="42857"/>
+                        <a14:foregroundMark x1="28689" y1="42857" x2="22459" y2="53929"/>
+                        <a14:foregroundMark x1="22459" y1="53929" x2="15082" y2="55357"/>
+                        <a14:foregroundMark x1="15082" y1="55357" x2="12787" y2="52500"/>
+                        <a14:foregroundMark x1="28852" y1="61429" x2="21967" y2="68929"/>
+                        <a14:foregroundMark x1="21967" y1="68929" x2="14426" y2="67500"/>
+                        <a14:foregroundMark x1="14426" y1="67500" x2="9508" y2="55000"/>
+                        <a14:foregroundMark x1="9508" y1="55000" x2="8525" y2="38214"/>
+                        <a14:foregroundMark x1="8525" y1="38214" x2="13279" y2="25357"/>
+                        <a14:foregroundMark x1="13279" y1="25357" x2="20492" y2="21786"/>
+                        <a14:foregroundMark x1="20492" y1="21786" x2="27869" y2="25714"/>
+                        <a14:foregroundMark x1="27869" y1="25714" x2="32131" y2="38929"/>
+                        <a14:foregroundMark x1="32131" y1="38929" x2="31148" y2="55357"/>
+                        <a14:foregroundMark x1="31148" y1="55357" x2="28689" y2="60714"/>
+                        <a14:foregroundMark x1="21311" y1="46786" x2="16393" y2="35357"/>
+                        <a14:foregroundMark x1="16393" y1="35357" x2="24098" y2="36071"/>
+                        <a14:foregroundMark x1="24098" y1="36071" x2="27377" y2="50000"/>
+                        <a14:foregroundMark x1="27377" y1="50000" x2="20000" y2="48929"/>
+                        <a14:foregroundMark x1="20000" y1="48929" x2="16721" y2="46429"/>
+                        <a14:foregroundMark x1="21311" y1="52857" x2="17377" y2="38571"/>
+                        <a14:foregroundMark x1="17377" y1="38571" x2="23934" y2="46429"/>
+                        <a14:foregroundMark x1="23934" y1="46429" x2="19016" y2="52857"/>
+                        <a14:foregroundMark x1="31967" y1="71429" x2="41475" y2="27143"/>
+                        <a14:foregroundMark x1="41475" y1="27143" x2="47049" y2="15714"/>
+                        <a14:foregroundMark x1="47049" y1="15714" x2="54426" y2="19286"/>
+                        <a14:foregroundMark x1="54426" y1="19286" x2="61148" y2="27143"/>
+                        <a14:foregroundMark x1="61148" y1="27143" x2="66066" y2="40357"/>
+                        <a14:foregroundMark x1="66066" y1="40357" x2="67049" y2="57500"/>
+                        <a14:foregroundMark x1="67049" y1="57500" x2="61967" y2="69286"/>
+                        <a14:foregroundMark x1="61967" y1="69286" x2="39016" y2="75000"/>
+                        <a14:foregroundMark x1="39016" y1="75000" x2="32951" y2="71071"/>
+                        <a14:foregroundMark x1="52295" y1="70000" x2="44754" y2="66786"/>
+                        <a14:foregroundMark x1="44754" y1="66786" x2="40984" y2="52143"/>
+                        <a14:foregroundMark x1="40984" y1="52143" x2="40328" y2="36429"/>
+                        <a14:foregroundMark x1="40328" y1="36429" x2="45574" y2="23929"/>
+                        <a14:foregroundMark x1="45574" y1="23929" x2="52951" y2="23571"/>
+                        <a14:foregroundMark x1="52951" y1="23571" x2="59016" y2="33214"/>
+                        <a14:foregroundMark x1="59016" y1="33214" x2="60656" y2="49286"/>
+                        <a14:foregroundMark x1="60656" y1="49286" x2="58525" y2="64643"/>
+                        <a14:foregroundMark x1="58525" y1="64643" x2="52295" y2="69286"/>
+                        <a14:foregroundMark x1="59016" y1="61429" x2="51967" y2="67857"/>
+                        <a14:foregroundMark x1="51967" y1="67857" x2="45410" y2="58571"/>
+                        <a14:foregroundMark x1="45410" y1="58571" x2="41148" y2="44643"/>
+                        <a14:foregroundMark x1="41148" y1="44643" x2="40000" y2="28214"/>
+                        <a14:foregroundMark x1="40000" y1="28214" x2="47541" y2="27857"/>
+                        <a14:foregroundMark x1="47541" y1="27857" x2="54918" y2="28571"/>
+                        <a14:foregroundMark x1="54918" y1="28571" x2="59016" y2="43571"/>
+                        <a14:foregroundMark x1="59016" y1="43571" x2="56721" y2="59643"/>
+                        <a14:foregroundMark x1="56721" y1="59643" x2="48361" y2="63571"/>
+                        <a14:foregroundMark x1="48361" y1="63571" x2="40820" y2="55000"/>
+                        <a14:foregroundMark x1="40820" y1="55000" x2="39180" y2="36071"/>
+                        <a14:foregroundMark x1="39180" y1="36071" x2="44918" y2="23571"/>
+                        <a14:foregroundMark x1="44918" y1="23571" x2="52295" y2="23571"/>
+                        <a14:foregroundMark x1="52295" y1="23571" x2="57705" y2="35000"/>
+                        <a14:foregroundMark x1="57705" y1="35000" x2="59508" y2="51786"/>
+                        <a14:foregroundMark x1="59508" y1="51786" x2="55246" y2="66429"/>
+                        <a14:foregroundMark x1="55246" y1="66429" x2="48033" y2="67857"/>
+                        <a14:foregroundMark x1="54098" y1="52857" x2="47541" y2="60357"/>
+                        <a14:foregroundMark x1="47541" y1="60357" x2="42295" y2="48571"/>
+                        <a14:foregroundMark x1="42295" y1="48571" x2="42787" y2="32143"/>
+                        <a14:foregroundMark x1="42787" y1="32143" x2="49836" y2="26786"/>
+                        <a14:foregroundMark x1="49836" y1="26786" x2="56885" y2="30714"/>
+                        <a14:foregroundMark x1="56885" y1="30714" x2="59344" y2="46429"/>
+                        <a14:foregroundMark x1="59344" y1="46429" x2="55902" y2="57143"/>
+                        <a14:foregroundMark x1="55902" y1="79286" x2="53934" y2="63571"/>
+                        <a14:foregroundMark x1="53934" y1="63571" x2="67869" y2="25714"/>
+                        <a14:foregroundMark x1="67869" y1="25714" x2="74590" y2="17143"/>
+                        <a14:foregroundMark x1="74590" y1="17143" x2="81803" y2="13929"/>
+                        <a14:foregroundMark x1="81803" y1="13929" x2="88852" y2="18214"/>
+                        <a14:foregroundMark x1="88852" y1="18214" x2="94262" y2="48929"/>
+                        <a14:foregroundMark x1="94262" y1="48929" x2="92295" y2="65000"/>
+                        <a14:foregroundMark x1="92295" y1="65000" x2="86721" y2="75714"/>
+                        <a14:foregroundMark x1="86721" y1="75714" x2="55246" y2="78571"/>
+                        <a14:foregroundMark x1="85574" y1="71429" x2="77705" y2="68929"/>
+                        <a14:foregroundMark x1="77705" y1="68929" x2="71639" y2="60714"/>
+                        <a14:foregroundMark x1="71639" y1="60714" x2="69672" y2="45000"/>
+                        <a14:foregroundMark x1="69672" y1="45000" x2="72623" y2="30000"/>
+                        <a14:foregroundMark x1="72623" y1="30000" x2="78197" y2="18571"/>
+                        <a14:foregroundMark x1="78197" y1="18571" x2="85410" y2="22500"/>
+                        <a14:foregroundMark x1="85410" y1="22500" x2="89180" y2="36429"/>
+                        <a14:foregroundMark x1="89180" y1="36429" x2="90164" y2="52143"/>
+                        <a14:foregroundMark x1="90164" y1="52143" x2="86557" y2="66071"/>
+                        <a14:foregroundMark x1="86557" y1="66071" x2="81967" y2="72143"/>
+                        <a14:foregroundMark x1="85574" y1="70000" x2="78197" y2="70000"/>
+                        <a14:foregroundMark x1="78197" y1="70000" x2="71803" y2="61071"/>
+                        <a14:foregroundMark x1="71803" y1="61071" x2="67377" y2="47857"/>
+                        <a14:foregroundMark x1="67377" y1="47857" x2="66885" y2="31071"/>
+                        <a14:foregroundMark x1="66885" y1="31071" x2="72951" y2="21786"/>
+                        <a14:foregroundMark x1="72951" y1="21786" x2="80328" y2="18214"/>
+                        <a14:foregroundMark x1="80328" y1="18214" x2="87541" y2="23214"/>
+                        <a14:foregroundMark x1="87541" y1="23214" x2="90164" y2="39286"/>
+                        <a14:foregroundMark x1="90164" y1="39286" x2="88852" y2="57857"/>
+                        <a14:foregroundMark x1="88852" y1="57857" x2="83607" y2="68929"/>
+                        <a14:foregroundMark x1="83607" y1="68929" x2="83443" y2="68929"/>
+                        <a14:foregroundMark x1="63115" y1="53571" x2="48197" y2="47500"/>
+                        <a14:foregroundMark x1="48197" y1="47500" x2="42951" y2="35714"/>
+                        <a14:foregroundMark x1="42951" y1="35714" x2="50000" y2="30357"/>
+                        <a14:foregroundMark x1="50000" y1="30357" x2="57213" y2="35714"/>
+                        <a14:foregroundMark x1="57213" y1="35714" x2="55246" y2="50714"/>
+                        <a14:foregroundMark x1="55246" y1="50714" x2="53770" y2="51429"/>
+                        <a14:foregroundMark x1="50984" y1="52857" x2="46721" y2="39286"/>
+                        <a14:foregroundMark x1="46721" y1="39286" x2="54262" y2="38214"/>
+                        <a14:foregroundMark x1="54262" y1="38214" x2="51311" y2="53214"/>
+                        <a14:foregroundMark x1="51311" y1="53214" x2="48689" y2="53214"/>
+                        <a14:foregroundMark x1="84262" y1="60357" x2="76885" y2="56071"/>
+                        <a14:foregroundMark x1="76885" y1="56071" x2="74426" y2="40714"/>
+                        <a14:foregroundMark x1="74426" y1="40714" x2="80492" y2="31786"/>
+                        <a14:foregroundMark x1="80492" y1="31786" x2="86393" y2="42857"/>
+                        <a14:foregroundMark x1="86393" y1="42857" x2="83607" y2="57857"/>
+                        <a14:foregroundMark x1="83607" y1="57857" x2="81967" y2="59286"/>
+                        <a14:foregroundMark x1="82131" y1="57500" x2="75246" y2="51786"/>
+                        <a14:foregroundMark x1="75246" y1="51786" x2="77705" y2="36429"/>
+                        <a14:foregroundMark x1="77705" y1="36429" x2="85410" y2="33929"/>
+                        <a14:foregroundMark x1="85410" y1="33929" x2="84918" y2="49643"/>
+                        <a14:foregroundMark x1="84918" y1="49643" x2="81311" y2="57857"/>
+                        <a14:foregroundMark x1="80492" y1="50000" x2="80164" y2="48929"/>
+                        <a14:foregroundMark x1="78525" y1="46786" x2="85574" y2="42500"/>
+                        <a14:foregroundMark x1="85574" y1="42500" x2="78197" y2="47143"/>
+                        <a14:foregroundMark x1="78197" y1="47143" x2="77705" y2="46429"/>
+                        <a14:foregroundMark x1="90656" y1="78214" x2="90820" y2="79643"/>
+                        <a14:foregroundMark x1="90656" y1="78571" x2="97377" y2="72500"/>
+                        <a14:foregroundMark x1="97377" y1="72500" x2="92787" y2="67500"/>
+                        <a14:foregroundMark x1="43607" y1="74286" x2="42787" y2="75000"/>
+                        <a14:foregroundMark x1="42787" y1="75357" x2="49016" y2="65357"/>
+                        <a14:foregroundMark x1="49016" y1="65357" x2="42131" y2="73214"/>
+                        <a14:foregroundMark x1="42131" y1="73214" x2="40000" y2="72857"/>
+                      </a14:backgroundRemoval>
+                    </a14:imgEffect>
+                  </a14:imgLayer>
+                </a14:imgProps>
+              </a:ext>
               <a:ext uri="{28A0092B-C50C-407E-A947-70E740481C1C}">
                 <a14:useLocalDpi xmlns:a14="http://schemas.microsoft.com/office/drawing/2010/main" val="0"/>
               </a:ext>
@@ -9543,8 +9301,8 @@
         </p:blipFill>
         <p:spPr bwMode="auto">
           <a:xfrm>
-            <a:off x="2811465" y="1658563"/>
-            <a:ext cx="7896225" cy="4438650"/>
+            <a:off x="4971395" y="2344189"/>
+            <a:ext cx="6531629" cy="2998125"/>
           </a:xfrm>
           <a:prstGeom prst="rect">
             <a:avLst/>
@@ -9564,7 +9322,7 @@
     </p:spTree>
     <p:extLst>
       <p:ext uri="{BB962C8B-B14F-4D97-AF65-F5344CB8AC3E}">
-        <p14:creationId xmlns:p14="http://schemas.microsoft.com/office/powerpoint/2010/main" val="81023986"/>
+        <p14:creationId xmlns:p14="http://schemas.microsoft.com/office/powerpoint/2010/main" val="3558510296"/>
       </p:ext>
     </p:extLst>
   </p:cSld>
@@ -9603,7 +9361,7 @@
         </p:nvSpPr>
         <p:spPr>
           <a:xfrm>
-            <a:off x="1417809" y="0"/>
+            <a:off x="1600688" y="0"/>
             <a:ext cx="10018713" cy="1752599"/>
           </a:xfrm>
         </p:spPr>
@@ -9613,83 +9371,30 @@
           <a:p>
             <a:r>
               <a:rPr lang="es-ES" dirty="0"/>
-              <a:t>Motivación </a:t>
-            </a:r>
-          </a:p>
-        </p:txBody>
-      </p:sp>
-      <p:pic>
-        <p:nvPicPr>
-          <p:cNvPr id="7170" name="Picture 2" descr="Motivación: qué es y cómo se consigue">
-            <a:extLst>
-              <a:ext uri="{FF2B5EF4-FFF2-40B4-BE49-F238E27FC236}">
-                <a16:creationId xmlns:a16="http://schemas.microsoft.com/office/drawing/2014/main" id="{56E3B2C9-B5BC-4C37-B729-8933B20D87B8}"/>
-              </a:ext>
-            </a:extLst>
-          </p:cNvPr>
-          <p:cNvPicPr>
-            <a:picLocks noChangeAspect="1" noChangeArrowheads="1"/>
-          </p:cNvPicPr>
-          <p:nvPr/>
-        </p:nvPicPr>
-        <p:blipFill>
-          <a:blip r:embed="rId2">
-            <a:extLst>
-              <a:ext uri="{28A0092B-C50C-407E-A947-70E740481C1C}">
-                <a14:useLocalDpi xmlns:a14="http://schemas.microsoft.com/office/drawing/2010/main" val="0"/>
-              </a:ext>
-            </a:extLst>
-          </a:blip>
-          <a:srcRect/>
-          <a:stretch>
-            <a:fillRect/>
-          </a:stretch>
-        </p:blipFill>
-        <p:spPr bwMode="auto">
-          <a:xfrm>
-            <a:off x="5597524" y="2132648"/>
-            <a:ext cx="5905500" cy="3324225"/>
-          </a:xfrm>
-          <a:prstGeom prst="rect">
-            <a:avLst/>
-          </a:prstGeom>
-          <a:noFill/>
-          <a:extLst>
-            <a:ext uri="{909E8E84-426E-40DD-AFC4-6F175D3DCCD1}">
-              <a14:hiddenFill xmlns:a14="http://schemas.microsoft.com/office/drawing/2010/main">
-                <a:solidFill>
-                  <a:srgbClr val="FFFFFF"/>
-                </a:solidFill>
-              </a14:hiddenFill>
-            </a:ext>
-          </a:extLst>
-        </p:spPr>
-      </p:pic>
-      <p:sp>
-        <p:nvSpPr>
-          <p:cNvPr id="3" name="CuadroTexto 2">
-            <a:extLst>
-              <a:ext uri="{FF2B5EF4-FFF2-40B4-BE49-F238E27FC236}">
-                <a16:creationId xmlns:a16="http://schemas.microsoft.com/office/drawing/2014/main" id="{DC2656A2-7E92-489E-AC67-2B2E55560517}"/>
-              </a:ext>
-            </a:extLst>
-          </p:cNvPr>
-          <p:cNvSpPr txBox="1"/>
-          <p:nvPr/>
+              <a:t>Contenido de esta presentación</a:t>
+            </a:r>
+          </a:p>
+        </p:txBody>
+      </p:sp>
+      <p:sp>
+        <p:nvSpPr>
+          <p:cNvPr id="3" name="Marcador de contenido 2"/>
+          <p:cNvSpPr>
+            <a:spLocks noGrp="1"/>
+          </p:cNvSpPr>
+          <p:nvPr>
+            <p:ph idx="1"/>
+          </p:nvPr>
         </p:nvSpPr>
         <p:spPr>
           <a:xfrm>
-            <a:off x="1417809" y="2132648"/>
-            <a:ext cx="3221446" cy="1815882"/>
+            <a:off x="4618209" y="1203959"/>
+            <a:ext cx="5390316" cy="5462848"/>
           </a:xfrm>
-          <a:prstGeom prst="rect">
-            <a:avLst/>
-          </a:prstGeom>
-          <a:noFill/>
         </p:spPr>
         <p:txBody>
-          <a:bodyPr wrap="square" rtlCol="0">
-            <a:spAutoFit/>
+          <a:bodyPr>
+            <a:normAutofit fontScale="85000" lnSpcReduction="20000"/>
           </a:bodyPr>
           <a:lstStyle/>
           <a:p>
@@ -9701,8 +9406,12 @@
               <a:buChar char="•"/>
             </a:pPr>
             <a:r>
-              <a:rPr lang="en-US" sz="2800" dirty="0"/>
-              <a:t>Big Data</a:t>
+              <a:rPr lang="es-ES" dirty="0"/>
+              <a:t> </a:t>
+            </a:r>
+            <a:r>
+              <a:rPr lang="es-ES" sz="2400" dirty="0"/>
+              <a:t>Presentación</a:t>
             </a:r>
           </a:p>
           <a:p>
@@ -9714,10 +9423,9 @@
               <a:buChar char="•"/>
             </a:pPr>
             <a:r>
-              <a:rPr lang="es-ES" sz="2800" dirty="0"/>
-              <a:t>Tamaño</a:t>
-            </a:r>
-            <a:endParaRPr lang="en-US" sz="2800" dirty="0"/>
+              <a:rPr lang="es-ES" sz="2400" dirty="0"/>
+              <a:t>Finbook</a:t>
+            </a:r>
           </a:p>
           <a:p>
             <a:pPr marL="285750" indent="-285750">
@@ -9728,8 +9436,8 @@
               <a:buChar char="•"/>
             </a:pPr>
             <a:r>
-              <a:rPr lang="es-ES" sz="2800" dirty="0"/>
-              <a:t>Simulación</a:t>
+              <a:rPr lang="es-ES" sz="2400" dirty="0"/>
+              <a:t>Digitalización</a:t>
             </a:r>
           </a:p>
           <a:p>
@@ -9741,8 +9449,138 @@
               <a:buChar char="•"/>
             </a:pPr>
             <a:r>
-              <a:rPr lang="es-ES" sz="2800" dirty="0"/>
-              <a:t>Desde cero</a:t>
+              <a:rPr lang="es-ES" sz="2400" dirty="0"/>
+              <a:t>CFDI</a:t>
+            </a:r>
+          </a:p>
+          <a:p>
+            <a:pPr marL="285750" indent="-285750">
+              <a:buClr>
+                <a:schemeClr val="accent1"/>
+              </a:buClr>
+              <a:buFont typeface="Arial" panose="020B0604020202020204" pitchFamily="34" charset="0"/>
+              <a:buChar char="•"/>
+            </a:pPr>
+            <a:r>
+              <a:rPr lang="es-ES" dirty="0"/>
+              <a:t>Fintech</a:t>
+            </a:r>
+          </a:p>
+          <a:p>
+            <a:pPr marL="285750" indent="-285750">
+              <a:buClr>
+                <a:schemeClr val="accent1"/>
+              </a:buClr>
+              <a:buFont typeface="Arial" panose="020B0604020202020204" pitchFamily="34" charset="0"/>
+              <a:buChar char="•"/>
+            </a:pPr>
+            <a:r>
+              <a:rPr lang="es-ES" sz="2400" dirty="0"/>
+              <a:t>Motivación</a:t>
+            </a:r>
+          </a:p>
+          <a:p>
+            <a:pPr marL="285750" indent="-285750">
+              <a:buClr>
+                <a:schemeClr val="accent1"/>
+              </a:buClr>
+              <a:buFont typeface="Arial" panose="020B0604020202020204" pitchFamily="34" charset="0"/>
+              <a:buChar char="•"/>
+            </a:pPr>
+            <a:r>
+              <a:rPr lang="es-ES" dirty="0"/>
+              <a:t>Objetivos iniciales</a:t>
+            </a:r>
+          </a:p>
+          <a:p>
+            <a:pPr marL="285750" indent="-285750">
+              <a:buClr>
+                <a:schemeClr val="accent1"/>
+              </a:buClr>
+              <a:buFont typeface="Arial" panose="020B0604020202020204" pitchFamily="34" charset="0"/>
+              <a:buChar char="•"/>
+            </a:pPr>
+            <a:r>
+              <a:rPr lang="es-ES" sz="2400" dirty="0"/>
+              <a:t>Exposición del proyecto</a:t>
+            </a:r>
+          </a:p>
+          <a:p>
+            <a:pPr marL="285750" indent="-285750">
+              <a:buClr>
+                <a:schemeClr val="accent1"/>
+              </a:buClr>
+              <a:buFont typeface="Arial" panose="020B0604020202020204" pitchFamily="34" charset="0"/>
+              <a:buChar char="•"/>
+            </a:pPr>
+            <a:r>
+              <a:rPr lang="es-ES" dirty="0"/>
+              <a:t>Arquitectura Publisher/Subscriber</a:t>
+            </a:r>
+          </a:p>
+          <a:p>
+            <a:pPr marL="285750" indent="-285750">
+              <a:buClr>
+                <a:schemeClr val="accent1"/>
+              </a:buClr>
+              <a:buFont typeface="Arial" panose="020B0604020202020204" pitchFamily="34" charset="0"/>
+              <a:buChar char="•"/>
+            </a:pPr>
+            <a:r>
+              <a:rPr lang="es-ES" sz="2400" dirty="0"/>
+              <a:t>Arquitectura Multi-Agente</a:t>
+            </a:r>
+          </a:p>
+          <a:p>
+            <a:pPr marL="285750" indent="-285750">
+              <a:buClr>
+                <a:schemeClr val="accent1"/>
+              </a:buClr>
+              <a:buFont typeface="Arial" panose="020B0604020202020204" pitchFamily="34" charset="0"/>
+              <a:buChar char="•"/>
+            </a:pPr>
+            <a:r>
+              <a:rPr lang="es-ES" dirty="0"/>
+              <a:t>Diseño Modular</a:t>
+            </a:r>
+          </a:p>
+          <a:p>
+            <a:pPr marL="285750" indent="-285750">
+              <a:buClr>
+                <a:schemeClr val="accent1"/>
+              </a:buClr>
+              <a:buFont typeface="Arial" panose="020B0604020202020204" pitchFamily="34" charset="0"/>
+              <a:buChar char="•"/>
+            </a:pPr>
+            <a:r>
+              <a:rPr lang="es-ES" sz="2400" dirty="0"/>
+              <a:t>Generador sintético de datos</a:t>
+            </a:r>
+          </a:p>
+          <a:p>
+            <a:pPr marL="285750" indent="-285750">
+              <a:buClr>
+                <a:schemeClr val="accent1"/>
+              </a:buClr>
+              <a:buFont typeface="Arial" panose="020B0604020202020204" pitchFamily="34" charset="0"/>
+              <a:buChar char="•"/>
+            </a:pPr>
+            <a:r>
+              <a:rPr lang="es-ES" dirty="0"/>
+              <a:t>Metodología y planificación</a:t>
+            </a:r>
+          </a:p>
+          <a:p>
+            <a:pPr marL="285750" indent="-285750">
+              <a:buClr>
+                <a:schemeClr val="accent1"/>
+              </a:buClr>
+              <a:buFont typeface="Arial" panose="020B0604020202020204" pitchFamily="34" charset="0"/>
+              <a:buChar char="•"/>
+            </a:pPr>
+            <a:r>
+              <a:rPr lang="es-ES" sz="2400" dirty="0"/>
+              <a:t>Conclusiones</a:t>
             </a:r>
           </a:p>
         </p:txBody>
@@ -9750,7 +9588,7 @@
     </p:spTree>
     <p:extLst>
       <p:ext uri="{BB962C8B-B14F-4D97-AF65-F5344CB8AC3E}">
-        <p14:creationId xmlns:p14="http://schemas.microsoft.com/office/powerpoint/2010/main" val="4183670027"/>
+        <p14:creationId xmlns:p14="http://schemas.microsoft.com/office/powerpoint/2010/main" val="2137951973"/>
       </p:ext>
     </p:extLst>
   </p:cSld>
@@ -9779,13 +9617,7 @@
       </p:grpSpPr>
       <p:sp>
         <p:nvSpPr>
-          <p:cNvPr id="2" name="Título 1">
-            <a:extLst>
-              <a:ext uri="{FF2B5EF4-FFF2-40B4-BE49-F238E27FC236}">
-                <a16:creationId xmlns:a16="http://schemas.microsoft.com/office/drawing/2014/main" id="{114B91BA-9277-43FD-8ECF-3484B9819248}"/>
-              </a:ext>
-            </a:extLst>
-          </p:cNvPr>
+          <p:cNvPr id="2" name="Título 1"/>
           <p:cNvSpPr>
             <a:spLocks noGrp="1"/>
           </p:cNvSpPr>
@@ -9795,146 +9627,52 @@
         </p:nvSpPr>
         <p:spPr>
           <a:xfrm>
-            <a:off x="1484311" y="0"/>
+            <a:off x="1484309" y="0"/>
             <a:ext cx="10018713" cy="1752599"/>
           </a:xfrm>
         </p:spPr>
         <p:txBody>
+          <a:bodyPr>
+            <a:normAutofit/>
+          </a:bodyPr>
+          <a:lstStyle/>
+          <a:p>
+            <a:r>
+              <a:rPr lang="es-ES" dirty="0"/>
+              <a:t>Exposición del proyecto</a:t>
+            </a:r>
+          </a:p>
+        </p:txBody>
+      </p:sp>
+      <p:sp>
+        <p:nvSpPr>
+          <p:cNvPr id="3" name="Marcador de contenido 2"/>
+          <p:cNvSpPr>
+            <a:spLocks noGrp="1"/>
+          </p:cNvSpPr>
+          <p:nvPr>
+            <p:ph idx="1"/>
+          </p:nvPr>
+        </p:nvSpPr>
+        <p:spPr/>
+        <p:txBody>
           <a:bodyPr/>
           <a:lstStyle/>
           <a:p>
+            <a:pPr marL="0" indent="0">
+              <a:buNone/>
+            </a:pPr>
             <a:r>
               <a:rPr lang="es-ES" dirty="0"/>
-              <a:t>Objetivos Iniciales</a:t>
-            </a:r>
-          </a:p>
-        </p:txBody>
-      </p:sp>
-      <p:sp>
-        <p:nvSpPr>
-          <p:cNvPr id="3" name="CuadroTexto 2">
-            <a:extLst>
-              <a:ext uri="{FF2B5EF4-FFF2-40B4-BE49-F238E27FC236}">
-                <a16:creationId xmlns:a16="http://schemas.microsoft.com/office/drawing/2014/main" id="{137BF21D-3046-4FF2-A7A0-9E00A36D5EEF}"/>
-              </a:ext>
-            </a:extLst>
-          </p:cNvPr>
-          <p:cNvSpPr txBox="1"/>
-          <p:nvPr/>
-        </p:nvSpPr>
-        <p:spPr>
-          <a:xfrm>
-            <a:off x="1862051" y="2344189"/>
-            <a:ext cx="2610196" cy="1815882"/>
-          </a:xfrm>
-          <a:prstGeom prst="rect">
-            <a:avLst/>
-          </a:prstGeom>
-          <a:noFill/>
-        </p:spPr>
-        <p:txBody>
-          <a:bodyPr wrap="square" rtlCol="0">
-            <a:spAutoFit/>
-          </a:bodyPr>
-          <a:lstStyle/>
-          <a:p>
-            <a:r>
-              <a:rPr lang="es-ES" sz="2800" dirty="0"/>
-              <a:t>Ciclo Iterativo:</a:t>
-            </a:r>
-          </a:p>
-          <a:p>
-            <a:pPr marL="285750" indent="-285750">
-              <a:buClr>
-                <a:schemeClr val="accent1"/>
-              </a:buClr>
-              <a:buFont typeface="Arial" panose="020B0604020202020204" pitchFamily="34" charset="0"/>
-              <a:buChar char="•"/>
-            </a:pPr>
-            <a:r>
-              <a:rPr lang="es-ES" sz="2800" dirty="0"/>
-              <a:t>Modelación</a:t>
-            </a:r>
-          </a:p>
-          <a:p>
-            <a:pPr marL="285750" indent="-285750">
-              <a:buClr>
-                <a:schemeClr val="accent1"/>
-              </a:buClr>
-              <a:buFont typeface="Arial" panose="020B0604020202020204" pitchFamily="34" charset="0"/>
-              <a:buChar char="•"/>
-            </a:pPr>
-            <a:r>
-              <a:rPr lang="es-ES" sz="2800" dirty="0"/>
-              <a:t>Simulación</a:t>
-            </a:r>
-          </a:p>
-          <a:p>
-            <a:pPr marL="285750" indent="-285750">
-              <a:buClr>
-                <a:schemeClr val="accent1"/>
-              </a:buClr>
-              <a:buFont typeface="Arial" panose="020B0604020202020204" pitchFamily="34" charset="0"/>
-              <a:buChar char="•"/>
-            </a:pPr>
-            <a:r>
-              <a:rPr lang="es-ES" sz="2800" dirty="0"/>
-              <a:t>Validación</a:t>
-            </a:r>
-          </a:p>
-        </p:txBody>
-      </p:sp>
-      <p:pic>
-        <p:nvPicPr>
-          <p:cNvPr id="8194" name="Picture 2" descr="Iteración: Imágenes, fotos de stock y vectores | Shutterstock">
-            <a:extLst>
-              <a:ext uri="{FF2B5EF4-FFF2-40B4-BE49-F238E27FC236}">
-                <a16:creationId xmlns:a16="http://schemas.microsoft.com/office/drawing/2014/main" id="{409122D9-E1CE-41A6-AEFE-B93EF8E0253E}"/>
-              </a:ext>
-            </a:extLst>
-          </p:cNvPr>
-          <p:cNvPicPr>
-            <a:picLocks noChangeAspect="1" noChangeArrowheads="1"/>
-          </p:cNvPicPr>
-          <p:nvPr/>
-        </p:nvPicPr>
-        <p:blipFill>
-          <a:blip r:embed="rId2">
-            <a:extLst>
-              <a:ext uri="{28A0092B-C50C-407E-A947-70E740481C1C}">
-                <a14:useLocalDpi xmlns:a14="http://schemas.microsoft.com/office/drawing/2010/main" val="0"/>
-              </a:ext>
-            </a:extLst>
-          </a:blip>
-          <a:srcRect/>
-          <a:stretch>
-            <a:fillRect/>
-          </a:stretch>
-        </p:blipFill>
-        <p:spPr bwMode="auto">
-          <a:xfrm>
-            <a:off x="4971395" y="2344189"/>
-            <a:ext cx="6531629" cy="2998125"/>
-          </a:xfrm>
-          <a:prstGeom prst="rect">
-            <a:avLst/>
-          </a:prstGeom>
-          <a:noFill/>
-          <a:extLst>
-            <a:ext uri="{909E8E84-426E-40DD-AFC4-6F175D3DCCD1}">
-              <a14:hiddenFill xmlns:a14="http://schemas.microsoft.com/office/drawing/2010/main">
-                <a:solidFill>
-                  <a:srgbClr val="FFFFFF"/>
-                </a:solidFill>
-              </a14:hiddenFill>
-            </a:ext>
-          </a:extLst>
-        </p:spPr>
-      </p:pic>
+              <a:t> </a:t>
+            </a:r>
+          </a:p>
+        </p:txBody>
+      </p:sp>
     </p:spTree>
     <p:extLst>
       <p:ext uri="{BB962C8B-B14F-4D97-AF65-F5344CB8AC3E}">
-        <p14:creationId xmlns:p14="http://schemas.microsoft.com/office/powerpoint/2010/main" val="3558510296"/>
+        <p14:creationId xmlns:p14="http://schemas.microsoft.com/office/powerpoint/2010/main" val="4016096875"/>
       </p:ext>
     </p:extLst>
   </p:cSld>
